--- a/art curators the newest one from saturday from pc.pptx
+++ b/art curators the newest one from saturday from pc.pptx
@@ -18,8 +18,8 @@
     <p:sldId id="266" r:id="rId12"/>
     <p:sldId id="267" r:id="rId13"/>
     <p:sldId id="268" r:id="rId14"/>
-    <p:sldId id="270" r:id="rId15"/>
-    <p:sldId id="269" r:id="rId16"/>
+    <p:sldId id="269" r:id="rId15"/>
+    <p:sldId id="270" r:id="rId16"/>
   </p:sldIdLst>
   <p:sldSz cx="12192000" cy="6858000"/>
   <p:notesSz cx="6858000" cy="9144000"/>
@@ -2390,13 +2390,24 @@
       </dgm:t>
     </dgm:pt>
     <dgm:pt modelId="{94A7A08E-1737-4F8A-9EE7-45D489C9B299}">
-      <dgm:prSet phldrT="[Text]" phldr="1"/>
+      <dgm:prSet phldrT="[Text]" custT="1"/>
       <dgm:spPr/>
       <dgm:t>
         <a:bodyPr/>
         <a:lstStyle/>
         <a:p>
-          <a:endParaRPr lang="en-GB" dirty="0"/>
+          <a:r>
+            <a:rPr lang="en-GB" sz="1600" b="1" dirty="0"/>
+            <a:t>70 works</a:t>
+          </a:r>
+          <a:r>
+            <a:rPr lang="en-GB" sz="1600" dirty="0"/>
+            <a:t>, from painting to performance to virtual reality, by an international, intergenerational group of </a:t>
+          </a:r>
+          <a:r>
+            <a:rPr lang="en-GB" sz="1600" b="1" dirty="0"/>
+            <a:t>60 artists</a:t>
+          </a:r>
         </a:p>
       </dgm:t>
     </dgm:pt>
@@ -2430,6 +2441,58 @@
         </a:p>
       </dgm:t>
     </dgm:pt>
+    <dgm:pt modelId="{787CE641-8607-44B5-9C8C-6FFEEC09D895}">
+      <dgm:prSet phldrT="[Text]" custT="1"/>
+      <dgm:spPr/>
+      <dgm:t>
+        <a:bodyPr/>
+        <a:lstStyle/>
+        <a:p>
+          <a:pPr algn="l"/>
+          <a:r>
+            <a:rPr lang="en-GB" sz="1600" b="0" i="0" dirty="0"/>
+            <a:t>The exhibition examines how the Internet has radically changed the field of art, especially in its production, distribution, and reception</a:t>
+          </a:r>
+          <a:endParaRPr lang="en-GB" sz="1600" dirty="0"/>
+        </a:p>
+      </dgm:t>
+    </dgm:pt>
+    <dgm:pt modelId="{A9898823-27A4-420A-BBDF-BB8975330085}" type="parTrans" cxnId="{D609A8F6-9D4A-4041-B656-47A102BBCB30}">
+      <dgm:prSet/>
+      <dgm:spPr/>
+      <dgm:t>
+        <a:bodyPr/>
+        <a:lstStyle/>
+        <a:p>
+          <a:endParaRPr lang="en-GB"/>
+        </a:p>
+      </dgm:t>
+    </dgm:pt>
+    <dgm:pt modelId="{2EF70E89-F476-4A88-AEAD-8F013F95CD99}" type="sibTrans" cxnId="{D609A8F6-9D4A-4041-B656-47A102BBCB30}">
+      <dgm:prSet/>
+      <dgm:spPr>
+        <a:blipFill>
+          <a:blip xmlns:r="http://schemas.openxmlformats.org/officeDocument/2006/relationships" r:embed="rId2">
+            <a:extLst>
+              <a:ext uri="{28A0092B-C50C-407E-A947-70E740481C1C}">
+                <a14:useLocalDpi xmlns:a14="http://schemas.microsoft.com/office/drawing/2010/main" val="0"/>
+              </a:ext>
+            </a:extLst>
+          </a:blip>
+          <a:srcRect/>
+          <a:stretch>
+            <a:fillRect l="-25000" r="-25000"/>
+          </a:stretch>
+        </a:blipFill>
+      </dgm:spPr>
+      <dgm:t>
+        <a:bodyPr/>
+        <a:lstStyle/>
+        <a:p>
+          <a:endParaRPr lang="en-GB"/>
+        </a:p>
+      </dgm:t>
+    </dgm:pt>
     <dgm:pt modelId="{BB88F21D-EB14-4116-9ED6-AF4B8CDCF8ED}">
       <dgm:prSet phldrT="[Text]" phldr="1"/>
       <dgm:spPr/>
@@ -2441,22 +2504,11 @@
         </a:p>
       </dgm:t>
     </dgm:pt>
-    <dgm:pt modelId="{AB6B929D-903D-4DE4-B2E1-670C007CCE5F}" type="parTrans" cxnId="{E483E4B7-09C8-4D56-A554-3F3D9DD26203}">
-      <dgm:prSet/>
-      <dgm:spPr/>
-      <dgm:t>
-        <a:bodyPr/>
-        <a:lstStyle/>
-        <a:p>
-          <a:endParaRPr lang="en-GB"/>
-        </a:p>
-      </dgm:t>
-    </dgm:pt>
     <dgm:pt modelId="{B30D8BB2-17A0-42A1-9F25-CDF96CF62F1A}" type="sibTrans" cxnId="{E483E4B7-09C8-4D56-A554-3F3D9DD26203}">
       <dgm:prSet/>
       <dgm:spPr>
         <a:blipFill>
-          <a:blip xmlns:r="http://schemas.openxmlformats.org/officeDocument/2006/relationships" r:embed="rId2">
+          <a:blip xmlns:r="http://schemas.openxmlformats.org/officeDocument/2006/relationships" r:embed="rId3">
             <a:extLst>
               <a:ext uri="{28A0092B-C50C-407E-A947-70E740481C1C}">
                 <a14:useLocalDpi xmlns:a14="http://schemas.microsoft.com/office/drawing/2010/main" val="0"/>
@@ -2477,45 +2529,9 @@
         </a:p>
       </dgm:t>
     </dgm:pt>
-    <dgm:pt modelId="{787CE641-8607-44B5-9C8C-6FFEEC09D895}">
-      <dgm:prSet phldrT="[Text]" phldr="1"/>
-      <dgm:spPr/>
-      <dgm:t>
-        <a:bodyPr/>
-        <a:lstStyle/>
-        <a:p>
-          <a:endParaRPr lang="en-GB" dirty="0"/>
-        </a:p>
-      </dgm:t>
-    </dgm:pt>
-    <dgm:pt modelId="{A9898823-27A4-420A-BBDF-BB8975330085}" type="parTrans" cxnId="{D609A8F6-9D4A-4041-B656-47A102BBCB30}">
+    <dgm:pt modelId="{AB6B929D-903D-4DE4-B2E1-670C007CCE5F}" type="parTrans" cxnId="{E483E4B7-09C8-4D56-A554-3F3D9DD26203}">
       <dgm:prSet/>
       <dgm:spPr/>
-      <dgm:t>
-        <a:bodyPr/>
-        <a:lstStyle/>
-        <a:p>
-          <a:endParaRPr lang="en-GB"/>
-        </a:p>
-      </dgm:t>
-    </dgm:pt>
-    <dgm:pt modelId="{2EF70E89-F476-4A88-AEAD-8F013F95CD99}" type="sibTrans" cxnId="{D609A8F6-9D4A-4041-B656-47A102BBCB30}">
-      <dgm:prSet/>
-      <dgm:spPr>
-        <a:blipFill>
-          <a:blip xmlns:r="http://schemas.openxmlformats.org/officeDocument/2006/relationships" r:embed="rId3">
-            <a:extLst>
-              <a:ext uri="{28A0092B-C50C-407E-A947-70E740481C1C}">
-                <a14:useLocalDpi xmlns:a14="http://schemas.microsoft.com/office/drawing/2010/main" val="0"/>
-              </a:ext>
-            </a:extLst>
-          </a:blip>
-          <a:srcRect/>
-          <a:stretch>
-            <a:fillRect l="-25000" r="-25000"/>
-          </a:stretch>
-        </a:blipFill>
-      </dgm:spPr>
       <dgm:t>
         <a:bodyPr/>
         <a:lstStyle/>
@@ -2549,11 +2565,11 @@
       <dgm:spPr/>
     </dgm:pt>
     <dgm:pt modelId="{6EA6B84A-8496-4F4A-A913-74A6BF174C7F}" type="pres">
-      <dgm:prSet presAssocID="{94A7A08E-1737-4F8A-9EE7-45D489C9B299}" presName="imageAccentRepeatNode" presStyleLbl="alignNode1" presStyleIdx="0" presStyleCnt="6" custScaleX="135030" custScaleY="121291" custLinFactNeighborX="-40271" custLinFactNeighborY="-53229"/>
+      <dgm:prSet presAssocID="{94A7A08E-1737-4F8A-9EE7-45D489C9B299}" presName="imageAccentRepeatNode" presStyleLbl="alignNode1" presStyleIdx="0" presStyleCnt="6" custScaleX="134323" custScaleY="128652" custLinFactNeighborX="-31617" custLinFactNeighborY="-46837"/>
       <dgm:spPr/>
     </dgm:pt>
     <dgm:pt modelId="{05FBB5EE-7EEE-4CCB-A121-791928E2C724}" type="pres">
-      <dgm:prSet presAssocID="{94A7A08E-1737-4F8A-9EE7-45D489C9B299}" presName="accent_1" presStyleLbl="alignNode1" presStyleIdx="1" presStyleCnt="6" custLinFactX="-200000" custLinFactNeighborX="-275084" custLinFactNeighborY="32783"/>
+      <dgm:prSet presAssocID="{94A7A08E-1737-4F8A-9EE7-45D489C9B299}" presName="accent_1" presStyleLbl="alignNode1" presStyleIdx="1" presStyleCnt="6" custLinFactX="-200000" custLinFactNeighborX="-277146" custLinFactNeighborY="37588"/>
       <dgm:spPr/>
     </dgm:pt>
     <dgm:pt modelId="{2AF57F2E-986C-4D7F-8843-1285D0E96A12}" type="pres">
@@ -2561,11 +2577,11 @@
       <dgm:spPr/>
     </dgm:pt>
     <dgm:pt modelId="{90A10259-6485-4C5B-B9D9-EC156FB6BDAF}" type="pres">
-      <dgm:prSet presAssocID="{0A61945F-F035-465F-B8AD-503471713AD7}" presName="imageRepeatNode" presStyleLbl="fgImgPlace1" presStyleIdx="0" presStyleCnt="3" custScaleX="139345" custScaleY="135071" custLinFactNeighborX="-41122" custLinFactNeighborY="-53767"/>
+      <dgm:prSet presAssocID="{0A61945F-F035-465F-B8AD-503471713AD7}" presName="imageRepeatNode" presStyleLbl="fgImgPlace1" presStyleIdx="0" presStyleCnt="3" custScaleX="139345" custScaleY="135071" custLinFactNeighborX="-34080" custLinFactNeighborY="-50729"/>
       <dgm:spPr/>
     </dgm:pt>
     <dgm:pt modelId="{28139CF9-0A01-4AD6-8AAE-3AB7ACDD212E}" type="pres">
-      <dgm:prSet presAssocID="{BB88F21D-EB14-4116-9ED6-AF4B8CDCF8ED}" presName="parent_text_2" presStyleLbl="revTx" presStyleIdx="1" presStyleCnt="3" custLinFactNeighborX="3336" custLinFactNeighborY="58015">
+      <dgm:prSet presAssocID="{BB88F21D-EB14-4116-9ED6-AF4B8CDCF8ED}" presName="parent_text_2" presStyleLbl="revTx" presStyleIdx="1" presStyleCnt="3" custAng="17867928" custFlipHor="0" custScaleX="24485" custScaleY="42397" custLinFactNeighborX="41866" custLinFactNeighborY="58015">
         <dgm:presLayoutVars>
           <dgm:chMax val="0"/>
           <dgm:chPref val="0"/>
@@ -2579,7 +2595,7 @@
       <dgm:spPr/>
     </dgm:pt>
     <dgm:pt modelId="{F0A83243-C92B-474D-B85D-C0C934D9629E}" type="pres">
-      <dgm:prSet presAssocID="{BB88F21D-EB14-4116-9ED6-AF4B8CDCF8ED}" presName="imageAccentRepeatNode" presStyleLbl="alignNode1" presStyleIdx="2" presStyleCnt="6" custScaleX="236278" custScaleY="220691" custLinFactNeighborX="-48839" custLinFactNeighborY="46373"/>
+      <dgm:prSet presAssocID="{BB88F21D-EB14-4116-9ED6-AF4B8CDCF8ED}" presName="imageAccentRepeatNode" presStyleLbl="alignNode1" presStyleIdx="2" presStyleCnt="6" custScaleX="226627" custScaleY="220691" custLinFactNeighborX="-1702" custLinFactNeighborY="54720"/>
       <dgm:spPr/>
     </dgm:pt>
     <dgm:pt modelId="{8D9DB47D-FBD3-43B8-9923-7B9DC1505DD0}" type="pres">
@@ -2587,7 +2603,7 @@
       <dgm:spPr/>
     </dgm:pt>
     <dgm:pt modelId="{C0BA8CF2-7489-41DE-A130-A61F3E911CA8}" type="pres">
-      <dgm:prSet presAssocID="{B30D8BB2-17A0-42A1-9F25-CDF96CF62F1A}" presName="imageRepeatNode" presStyleLbl="fgImgPlace1" presStyleIdx="1" presStyleCnt="3" custScaleX="245864" custScaleY="232130" custLinFactNeighborX="-53682" custLinFactNeighborY="48566"/>
+      <dgm:prSet presAssocID="{B30D8BB2-17A0-42A1-9F25-CDF96CF62F1A}" presName="imageRepeatNode" presStyleLbl="fgImgPlace1" presStyleIdx="1" presStyleCnt="3" custScaleX="240886" custScaleY="232130" custLinFactNeighborX="-1659" custLinFactNeighborY="61315"/>
       <dgm:spPr/>
     </dgm:pt>
     <dgm:pt modelId="{284D4658-9C7A-4E97-B177-6FCE6B07C6CB}" type="pres">
@@ -2595,11 +2611,11 @@
       <dgm:spPr/>
     </dgm:pt>
     <dgm:pt modelId="{3A8C0713-6F38-4A5C-B0AC-6CDC8C345A57}" type="pres">
-      <dgm:prSet presAssocID="{787CE641-8607-44B5-9C8C-6FFEEC09D895}" presName="imageAccentRepeatNode" presStyleLbl="alignNode1" presStyleIdx="3" presStyleCnt="6" custScaleX="168866" custScaleY="169096" custLinFactNeighborX="33028" custLinFactNeighborY="-4946"/>
+      <dgm:prSet presAssocID="{787CE641-8607-44B5-9C8C-6FFEEC09D895}" presName="imageAccentRepeatNode" presStyleLbl="alignNode1" presStyleIdx="3" presStyleCnt="6" custScaleX="154927" custScaleY="152917" custLinFactNeighborX="29509" custLinFactNeighborY="-24361"/>
       <dgm:spPr/>
     </dgm:pt>
     <dgm:pt modelId="{6B3B7A22-8887-47A3-90E3-33B2FEB284DA}" type="pres">
-      <dgm:prSet presAssocID="{787CE641-8607-44B5-9C8C-6FFEEC09D895}" presName="parent_text_3" presStyleLbl="revTx" presStyleIdx="2" presStyleCnt="3" custScaleX="82912" custScaleY="197080" custLinFactNeighborX="13449" custLinFactNeighborY="-18121">
+      <dgm:prSet presAssocID="{787CE641-8607-44B5-9C8C-6FFEEC09D895}" presName="parent_text_3" presStyleLbl="revTx" presStyleIdx="2" presStyleCnt="3" custScaleX="76866" custScaleY="103491" custLinFactNeighborX="11926" custLinFactNeighborY="-53528">
         <dgm:presLayoutVars>
           <dgm:chMax val="0"/>
           <dgm:chPref val="0"/>
@@ -2609,11 +2625,11 @@
       <dgm:spPr/>
     </dgm:pt>
     <dgm:pt modelId="{3E2BF14B-7264-4E3B-9492-6E9585AA70B8}" type="pres">
-      <dgm:prSet presAssocID="{787CE641-8607-44B5-9C8C-6FFEEC09D895}" presName="accent_2" presStyleLbl="alignNode1" presStyleIdx="4" presStyleCnt="6" custLinFactX="-114347" custLinFactNeighborX="-200000" custLinFactNeighborY="42303"/>
+      <dgm:prSet presAssocID="{787CE641-8607-44B5-9C8C-6FFEEC09D895}" presName="accent_2" presStyleLbl="alignNode1" presStyleIdx="4" presStyleCnt="6" custLinFactX="-200000" custLinFactNeighborX="-271678" custLinFactNeighborY="-85168"/>
       <dgm:spPr/>
     </dgm:pt>
     <dgm:pt modelId="{9170CFC3-C36E-4315-BE52-ECF1AE594564}" type="pres">
-      <dgm:prSet presAssocID="{787CE641-8607-44B5-9C8C-6FFEEC09D895}" presName="accent_3" presStyleLbl="alignNode1" presStyleIdx="5" presStyleCnt="6" custLinFactY="-100000" custLinFactNeighborX="56974" custLinFactNeighborY="-164367"/>
+      <dgm:prSet presAssocID="{787CE641-8607-44B5-9C8C-6FFEEC09D895}" presName="accent_3" presStyleLbl="alignNode1" presStyleIdx="5" presStyleCnt="6" custLinFactY="-171583" custLinFactNeighborX="11286" custLinFactNeighborY="-200000"/>
       <dgm:spPr/>
     </dgm:pt>
     <dgm:pt modelId="{8C92F963-9621-47BD-B486-3F5745CCE6D8}" type="pres">
@@ -2621,7 +2637,7 @@
       <dgm:spPr/>
     </dgm:pt>
     <dgm:pt modelId="{81EFA0F4-823B-4E3A-9B1B-5947498A1A01}" type="pres">
-      <dgm:prSet presAssocID="{2EF70E89-F476-4A88-AEAD-8F013F95CD99}" presName="imageRepeatNode" presStyleLbl="fgImgPlace1" presStyleIdx="2" presStyleCnt="3" custScaleX="183781" custScaleY="176040" custLinFactNeighborX="37167" custLinFactNeighborY="-6217"/>
+      <dgm:prSet presAssocID="{2EF70E89-F476-4A88-AEAD-8F013F95CD99}" presName="imageRepeatNode" presStyleLbl="fgImgPlace1" presStyleIdx="2" presStyleCnt="3" custScaleX="164274" custScaleY="161264" custLinFactNeighborX="32944" custLinFactNeighborY="-27152"/>
       <dgm:spPr/>
     </dgm:pt>
   </dgm:ptLst>
@@ -2680,13 +2696,51 @@
       </dgm:t>
     </dgm:pt>
     <dgm:pt modelId="{94A7A08E-1737-4F8A-9EE7-45D489C9B299}">
-      <dgm:prSet phldrT="[Text]" phldr="1"/>
+      <dgm:prSet phldrT="[Text]" custT="1"/>
       <dgm:spPr/>
       <dgm:t>
         <a:bodyPr/>
         <a:lstStyle/>
         <a:p>
-          <a:endParaRPr lang="en-GB" dirty="0"/>
+          <a:pPr algn="l"/>
+          <a:r>
+            <a:rPr lang="en-GB" sz="1600" dirty="0"/>
+            <a:t>London, Hayward Gallery, London’s Southbank Centre, </a:t>
+          </a:r>
+        </a:p>
+        <a:p>
+          <a:pPr algn="l"/>
+          <a:r>
+            <a:rPr lang="en-GB" sz="1600" b="1" dirty="0"/>
+            <a:t>12</a:t>
+          </a:r>
+          <a:r>
+            <a:rPr lang="en-GB" sz="1600" b="1" baseline="30000" dirty="0"/>
+            <a:t>th</a:t>
+          </a:r>
+          <a:r>
+            <a:rPr lang="en-GB" sz="1600" b="1" dirty="0"/>
+            <a:t> June 2019</a:t>
+          </a:r>
+        </a:p>
+        <a:p>
+          <a:pPr algn="l"/>
+          <a:r>
+            <a:rPr lang="en-GB" sz="1600" dirty="0"/>
+            <a:t> till </a:t>
+          </a:r>
+          <a:r>
+            <a:rPr lang="en-GB" sz="1600" b="1" dirty="0"/>
+            <a:t>8</a:t>
+          </a:r>
+          <a:r>
+            <a:rPr lang="en-GB" sz="1600" b="1" baseline="30000" dirty="0"/>
+            <a:t>th</a:t>
+          </a:r>
+          <a:r>
+            <a:rPr lang="en-GB" sz="1600" b="1" dirty="0"/>
+            <a:t> September 2019 </a:t>
+          </a:r>
         </a:p>
       </dgm:t>
     </dgm:pt>
@@ -2727,13 +2781,53 @@
       </dgm:t>
     </dgm:pt>
     <dgm:pt modelId="{BB88F21D-EB14-4116-9ED6-AF4B8CDCF8ED}">
-      <dgm:prSet phldrT="[Text]" phldr="1"/>
+      <dgm:prSet phldrT="[Text]" custT="1"/>
       <dgm:spPr/>
       <dgm:t>
         <a:bodyPr/>
         <a:lstStyle/>
         <a:p>
-          <a:endParaRPr lang="en-GB" dirty="0"/>
+          <a:r>
+            <a:rPr lang="en-GB" sz="1400" dirty="0"/>
+            <a:t>Key message from the exhibition:</a:t>
+          </a:r>
+          <a:r>
+            <a:rPr lang="en-GB" sz="1600" dirty="0"/>
+            <a:t> it is the right for the body to be </a:t>
+          </a:r>
+          <a:r>
+            <a:rPr lang="en-GB" sz="1600" b="1" dirty="0"/>
+            <a:t>subversive</a:t>
+          </a:r>
+          <a:r>
+            <a:rPr lang="en-GB" sz="1600" dirty="0"/>
+            <a:t>, </a:t>
+          </a:r>
+          <a:r>
+            <a:rPr lang="en-GB" sz="1600" b="1" dirty="0"/>
+            <a:t>mischievous</a:t>
+          </a:r>
+          <a:r>
+            <a:rPr lang="en-GB" sz="1600" dirty="0"/>
+            <a:t>, </a:t>
+          </a:r>
+          <a:r>
+            <a:rPr lang="en-GB" sz="1600" b="1" dirty="0"/>
+            <a:t>ambiguous</a:t>
+          </a:r>
+          <a:r>
+            <a:rPr lang="en-GB" sz="1600" dirty="0"/>
+            <a:t>, even </a:t>
+          </a:r>
+          <a:r>
+            <a:rPr lang="en-GB" sz="1600" b="1" dirty="0"/>
+            <a:t>illegible</a:t>
+          </a:r>
+          <a:r>
+            <a:rPr lang="en-GB" sz="1600" dirty="0"/>
+            <a:t>, demonstrating that an experience and fluid approach is both political and truly liberating </a:t>
+          </a:r>
+          <a:endParaRPr lang="en-GB" sz="1400" dirty="0"/>
         </a:p>
       </dgm:t>
     </dgm:pt>
@@ -2774,13 +2868,16 @@
       </dgm:t>
     </dgm:pt>
     <dgm:pt modelId="{787CE641-8607-44B5-9C8C-6FFEEC09D895}">
-      <dgm:prSet phldrT="[Text]" phldr="1"/>
+      <dgm:prSet phldrT="[Text]" custT="1"/>
       <dgm:spPr/>
       <dgm:t>
         <a:bodyPr/>
         <a:lstStyle/>
         <a:p>
-          <a:endParaRPr lang="en-GB" dirty="0"/>
+          <a:r>
+            <a:rPr lang="en-GB" sz="1600" dirty="0"/>
+            <a:t>The exhibition is not addressed to the masses. When you enter, you can turn right or left or go upstairs. It creates territories and areas of discoveries.</a:t>
+          </a:r>
         </a:p>
       </dgm:t>
     </dgm:pt>
@@ -2831,7 +2928,7 @@
       <dgm:spPr/>
     </dgm:pt>
     <dgm:pt modelId="{01D80FEE-9081-429D-B235-65870614FBF5}" type="pres">
-      <dgm:prSet presAssocID="{94A7A08E-1737-4F8A-9EE7-45D489C9B299}" presName="parent_text_1" presStyleLbl="revTx" presStyleIdx="0" presStyleCnt="3" custScaleX="56738" custScaleY="263989" custLinFactY="81250" custLinFactNeighborX="-3854" custLinFactNeighborY="100000">
+      <dgm:prSet presAssocID="{94A7A08E-1737-4F8A-9EE7-45D489C9B299}" presName="parent_text_1" presStyleLbl="revTx" presStyleIdx="0" presStyleCnt="3" custScaleX="33305" custScaleY="100214" custLinFactNeighborX="-17602" custLinFactNeighborY="63148">
         <dgm:presLayoutVars>
           <dgm:chMax val="0"/>
           <dgm:chPref val="0"/>
@@ -2845,11 +2942,11 @@
       <dgm:spPr/>
     </dgm:pt>
     <dgm:pt modelId="{6EA6B84A-8496-4F4A-A913-74A6BF174C7F}" type="pres">
-      <dgm:prSet presAssocID="{94A7A08E-1737-4F8A-9EE7-45D489C9B299}" presName="imageAccentRepeatNode" presStyleLbl="alignNode1" presStyleIdx="0" presStyleCnt="6" custScaleX="135030" custScaleY="128463" custLinFactNeighborX="23520" custLinFactNeighborY="-66523"/>
+      <dgm:prSet presAssocID="{94A7A08E-1737-4F8A-9EE7-45D489C9B299}" presName="imageAccentRepeatNode" presStyleLbl="alignNode1" presStyleIdx="0" presStyleCnt="6" custScaleX="135030" custScaleY="128463" custLinFactNeighborX="-14666" custLinFactNeighborY="-56137"/>
       <dgm:spPr/>
     </dgm:pt>
     <dgm:pt modelId="{05FBB5EE-7EEE-4CCB-A121-791928E2C724}" type="pres">
-      <dgm:prSet presAssocID="{94A7A08E-1737-4F8A-9EE7-45D489C9B299}" presName="accent_1" presStyleLbl="alignNode1" presStyleIdx="1" presStyleCnt="6" custLinFactX="-116041" custLinFactNeighborX="-200000" custLinFactNeighborY="50723"/>
+      <dgm:prSet presAssocID="{94A7A08E-1737-4F8A-9EE7-45D489C9B299}" presName="accent_1" presStyleLbl="alignNode1" presStyleIdx="1" presStyleCnt="6" custScaleX="82805" custScaleY="82976" custLinFactX="-158793" custLinFactNeighborX="-200000" custLinFactNeighborY="12166"/>
       <dgm:spPr/>
     </dgm:pt>
     <dgm:pt modelId="{2AF57F2E-986C-4D7F-8843-1285D0E96A12}" type="pres">
@@ -2857,11 +2954,11 @@
       <dgm:spPr/>
     </dgm:pt>
     <dgm:pt modelId="{90A10259-6485-4C5B-B9D9-EC156FB6BDAF}" type="pres">
-      <dgm:prSet presAssocID="{0A61945F-F035-465F-B8AD-503471713AD7}" presName="imageRepeatNode" presStyleLbl="fgImgPlace1" presStyleIdx="0" presStyleCnt="3" custScaleX="135030" custScaleY="128463" custLinFactNeighborX="26266" custLinFactNeighborY="-72053"/>
+      <dgm:prSet presAssocID="{0A61945F-F035-465F-B8AD-503471713AD7}" presName="imageRepeatNode" presStyleLbl="fgImgPlace1" presStyleIdx="0" presStyleCnt="3" custScaleX="135030" custScaleY="128463" custLinFactNeighborX="-15080" custLinFactNeighborY="-60804"/>
       <dgm:spPr/>
     </dgm:pt>
     <dgm:pt modelId="{28139CF9-0A01-4AD6-8AAE-3AB7ACDD212E}" type="pres">
-      <dgm:prSet presAssocID="{BB88F21D-EB14-4116-9ED6-AF4B8CDCF8ED}" presName="parent_text_2" presStyleLbl="revTx" presStyleIdx="1" presStyleCnt="3" custLinFactY="1773" custLinFactNeighborX="9499" custLinFactNeighborY="100000">
+      <dgm:prSet presAssocID="{BB88F21D-EB14-4116-9ED6-AF4B8CDCF8ED}" presName="parent_text_2" presStyleLbl="revTx" presStyleIdx="1" presStyleCnt="3" custScaleX="84915" custScaleY="146914" custLinFactNeighborX="9499" custLinFactNeighborY="85242">
         <dgm:presLayoutVars>
           <dgm:chMax val="0"/>
           <dgm:chPref val="0"/>
@@ -2875,7 +2972,7 @@
       <dgm:spPr/>
     </dgm:pt>
     <dgm:pt modelId="{F0A83243-C92B-474D-B85D-C0C934D9629E}" type="pres">
-      <dgm:prSet presAssocID="{BB88F21D-EB14-4116-9ED6-AF4B8CDCF8ED}" presName="imageAccentRepeatNode" presStyleLbl="alignNode1" presStyleIdx="2" presStyleCnt="6" custScaleX="206028" custScaleY="200715" custLinFactNeighborX="-11679" custLinFactNeighborY="67379"/>
+      <dgm:prSet presAssocID="{BB88F21D-EB14-4116-9ED6-AF4B8CDCF8ED}" presName="imageAccentRepeatNode" presStyleLbl="alignNode1" presStyleIdx="2" presStyleCnt="6" custScaleX="206028" custScaleY="200715" custLinFactNeighborX="-5994" custLinFactNeighborY="54944"/>
       <dgm:spPr/>
     </dgm:pt>
     <dgm:pt modelId="{8D9DB47D-FBD3-43B8-9923-7B9DC1505DD0}" type="pres">
@@ -2883,7 +2980,7 @@
       <dgm:spPr/>
     </dgm:pt>
     <dgm:pt modelId="{C0BA8CF2-7489-41DE-A130-A61F3E911CA8}" type="pres">
-      <dgm:prSet presAssocID="{B30D8BB2-17A0-42A1-9F25-CDF96CF62F1A}" presName="imageRepeatNode" presStyleLbl="fgImgPlace1" presStyleIdx="1" presStyleCnt="3" custScaleX="211716" custScaleY="213225" custLinFactNeighborX="-13243" custLinFactNeighborY="76379"/>
+      <dgm:prSet presAssocID="{B30D8BB2-17A0-42A1-9F25-CDF96CF62F1A}" presName="imageRepeatNode" presStyleLbl="fgImgPlace1" presStyleIdx="1" presStyleCnt="3" custScaleX="211716" custScaleY="213225" custLinFactNeighborX="-6797" custLinFactNeighborY="62283"/>
       <dgm:spPr/>
     </dgm:pt>
     <dgm:pt modelId="{284D4658-9C7A-4E97-B177-6FCE6B07C6CB}" type="pres">
@@ -2891,11 +2988,11 @@
       <dgm:spPr/>
     </dgm:pt>
     <dgm:pt modelId="{3A8C0713-6F38-4A5C-B0AC-6CDC8C345A57}" type="pres">
-      <dgm:prSet presAssocID="{787CE641-8607-44B5-9C8C-6FFEEC09D895}" presName="imageAccentRepeatNode" presStyleLbl="alignNode1" presStyleIdx="3" presStyleCnt="6" custScaleX="147863" custScaleY="147328" custLinFactX="13270" custLinFactNeighborX="100000" custLinFactNeighborY="39594"/>
+      <dgm:prSet presAssocID="{787CE641-8607-44B5-9C8C-6FFEEC09D895}" presName="imageAccentRepeatNode" presStyleLbl="alignNode1" presStyleIdx="3" presStyleCnt="6" custScaleX="147863" custScaleY="147328" custLinFactNeighborX="49669" custLinFactNeighborY="-12665"/>
       <dgm:spPr/>
     </dgm:pt>
     <dgm:pt modelId="{6B3B7A22-8887-47A3-90E3-33B2FEB284DA}" type="pres">
-      <dgm:prSet presAssocID="{787CE641-8607-44B5-9C8C-6FFEEC09D895}" presName="parent_text_3" presStyleLbl="revTx" presStyleIdx="2" presStyleCnt="3" custLinFactNeighborX="634" custLinFactNeighborY="-69400">
+      <dgm:prSet presAssocID="{787CE641-8607-44B5-9C8C-6FFEEC09D895}" presName="parent_text_3" presStyleLbl="revTx" presStyleIdx="2" presStyleCnt="3" custScaleX="71206" custScaleY="71009" custLinFactNeighborX="21502" custLinFactNeighborY="-62687">
         <dgm:presLayoutVars>
           <dgm:chMax val="0"/>
           <dgm:chPref val="0"/>
@@ -2905,11 +3002,11 @@
       <dgm:spPr/>
     </dgm:pt>
     <dgm:pt modelId="{3E2BF14B-7264-4E3B-9492-6E9585AA70B8}" type="pres">
-      <dgm:prSet presAssocID="{787CE641-8607-44B5-9C8C-6FFEEC09D895}" presName="accent_2" presStyleLbl="alignNode1" presStyleIdx="4" presStyleCnt="6" custLinFactNeighborX="-36808" custLinFactNeighborY="7634"/>
+      <dgm:prSet presAssocID="{787CE641-8607-44B5-9C8C-6FFEEC09D895}" presName="accent_2" presStyleLbl="alignNode1" presStyleIdx="4" presStyleCnt="6" custLinFactX="-100000" custLinFactNeighborX="-190749" custLinFactNeighborY="-19673"/>
       <dgm:spPr/>
     </dgm:pt>
     <dgm:pt modelId="{9170CFC3-C36E-4315-BE52-ECF1AE594564}" type="pres">
-      <dgm:prSet presAssocID="{787CE641-8607-44B5-9C8C-6FFEEC09D895}" presName="accent_3" presStyleLbl="alignNode1" presStyleIdx="5" presStyleCnt="6" custScaleX="36564" custScaleY="33890" custLinFactX="-370685" custLinFactY="-81132" custLinFactNeighborX="-400000" custLinFactNeighborY="-100000"/>
+      <dgm:prSet presAssocID="{787CE641-8607-44B5-9C8C-6FFEEC09D895}" presName="accent_3" presStyleLbl="alignNode1" presStyleIdx="5" presStyleCnt="6" custScaleX="36564" custScaleY="33890" custLinFactX="-370697" custLinFactY="-5012" custLinFactNeighborX="-400000" custLinFactNeighborY="-100000"/>
       <dgm:spPr/>
     </dgm:pt>
     <dgm:pt modelId="{8C92F963-9621-47BD-B486-3F5745CCE6D8}" type="pres">
@@ -2917,7 +3014,7 @@
       <dgm:spPr/>
     </dgm:pt>
     <dgm:pt modelId="{81EFA0F4-823B-4E3A-9B1B-5947498A1A01}" type="pres">
-      <dgm:prSet presAssocID="{2EF70E89-F476-4A88-AEAD-8F013F95CD99}" presName="imageRepeatNode" presStyleLbl="fgImgPlace1" presStyleIdx="2" presStyleCnt="3" custScaleX="147025" custScaleY="145621" custLinFactX="28640" custLinFactNeighborX="100000" custLinFactNeighborY="43582"/>
+      <dgm:prSet presAssocID="{2EF70E89-F476-4A88-AEAD-8F013F95CD99}" presName="imageRepeatNode" presStyleLbl="fgImgPlace1" presStyleIdx="2" presStyleCnt="3" custScaleX="147025" custScaleY="145621" custLinFactNeighborX="57558" custLinFactNeighborY="-14847"/>
       <dgm:spPr/>
     </dgm:pt>
   </dgm:ptLst>
@@ -3272,8 +3369,8 @@
       </dsp:nvSpPr>
       <dsp:spPr>
         <a:xfrm>
-          <a:off x="909089" y="654842"/>
-          <a:ext cx="3339869" cy="3000540"/>
+          <a:off x="1411861" y="749084"/>
+          <a:ext cx="3322382" cy="3182639"/>
         </a:xfrm>
         <a:prstGeom prst="ellipse">
           <a:avLst/>
@@ -3321,7 +3418,7 @@
       </dsp:nvSpPr>
       <dsp:spPr>
         <a:xfrm>
-          <a:off x="426129" y="653894"/>
+          <a:off x="690961" y="716333"/>
           <a:ext cx="734589" cy="734118"/>
         </a:xfrm>
         <a:prstGeom prst="donut">
@@ -3372,7 +3469,7 @@
       </dsp:nvSpPr>
       <dsp:spPr>
         <a:xfrm>
-          <a:off x="1044673" y="701397"/>
+          <a:off x="1485516" y="797948"/>
           <a:ext cx="3183136" cy="3084982"/>
         </a:xfrm>
         <a:prstGeom prst="ellipse">
@@ -3418,8 +3515,8 @@
       </dsp:nvSpPr>
       <dsp:spPr>
         <a:xfrm>
-          <a:off x="3477220" y="2400537"/>
-          <a:ext cx="3058788" cy="2856325"/>
+          <a:off x="4429890" y="2656709"/>
+          <a:ext cx="2933849" cy="2856325"/>
         </a:xfrm>
         <a:prstGeom prst="ellipse">
           <a:avLst/>
@@ -3467,8 +3564,8 @@
       </dsp:nvSpPr>
       <dsp:spPr>
         <a:xfrm>
-          <a:off x="3622536" y="2579017"/>
-          <a:ext cx="2806934" cy="2650392"/>
+          <a:off x="4524857" y="2751745"/>
+          <a:ext cx="2750102" cy="2650392"/>
         </a:xfrm>
         <a:prstGeom prst="ellipse">
           <a:avLst/>
@@ -3519,8 +3616,8 @@
       </dsp:nvSpPr>
       <dsp:spPr>
         <a:xfrm>
-          <a:off x="4462014" y="219906"/>
-          <a:ext cx="2801965" cy="2806689"/>
+          <a:off x="4799246" y="59087"/>
+          <a:ext cx="2570678" cy="2538146"/>
         </a:xfrm>
         <a:prstGeom prst="ellipse">
           <a:avLst/>
@@ -3568,7 +3665,7 @@
       </dsp:nvSpPr>
       <dsp:spPr>
         <a:xfrm>
-          <a:off x="4164561" y="697836"/>
+          <a:off x="3589522" y="31783"/>
           <a:ext cx="543451" cy="543823"/>
         </a:xfrm>
         <a:prstGeom prst="donut">
@@ -3619,7 +3716,7 @@
       </dsp:nvSpPr>
       <dsp:spPr>
         <a:xfrm>
-          <a:off x="6649884" y="2924504"/>
+          <a:off x="6743407" y="2514599"/>
           <a:ext cx="408105" cy="407652"/>
         </a:xfrm>
         <a:prstGeom prst="donut">
@@ -3670,8 +3767,8 @@
       </dsp:nvSpPr>
       <dsp:spPr>
         <a:xfrm>
-          <a:off x="4503019" y="306341"/>
-          <a:ext cx="2728553" cy="2613418"/>
+          <a:off x="4865107" y="132391"/>
+          <a:ext cx="2438937" cy="2394060"/>
         </a:xfrm>
         <a:prstGeom prst="ellipse">
           <a:avLst/>
@@ -3722,7 +3819,7 @@
       </dsp:nvSpPr>
       <dsp:spPr>
         <a:xfrm>
-          <a:off x="267643" y="3287755"/>
+          <a:off x="547622" y="3314918"/>
           <a:ext cx="3238157" cy="1742543"/>
         </a:xfrm>
         <a:prstGeom prst="rect">
@@ -3747,12 +3844,12 @@
         <a:fontRef idx="minor"/>
       </dsp:style>
       <dsp:txBody>
-        <a:bodyPr spcFirstLastPara="0" vert="horz" wrap="square" lIns="82550" tIns="82550" rIns="82550" bIns="8255" numCol="1" spcCol="1270" anchor="b" anchorCtr="0">
+        <a:bodyPr spcFirstLastPara="0" vert="horz" wrap="square" lIns="20320" tIns="20320" rIns="20320" bIns="2032" numCol="1" spcCol="1270" anchor="b" anchorCtr="0">
           <a:noAutofit/>
         </a:bodyPr>
         <a:lstStyle/>
         <a:p>
-          <a:pPr marL="0" lvl="0" indent="0" algn="r" defTabSz="2889250">
+          <a:pPr marL="0" lvl="0" indent="0" algn="r" defTabSz="711200">
             <a:lnSpc>
               <a:spcPct val="90000"/>
             </a:lnSpc>
@@ -3764,11 +3861,22 @@
             </a:spcAft>
             <a:buNone/>
           </a:pPr>
-          <a:endParaRPr lang="en-GB" sz="6500" kern="1200" dirty="0"/>
+          <a:r>
+            <a:rPr lang="en-GB" sz="1600" b="1" kern="1200" dirty="0"/>
+            <a:t>70 works</a:t>
+          </a:r>
+          <a:r>
+            <a:rPr lang="en-GB" sz="1600" kern="1200" dirty="0"/>
+            <a:t>, from painting to performance to virtual reality, by an international, intergenerational group of </a:t>
+          </a:r>
+          <a:r>
+            <a:rPr lang="en-GB" sz="1600" b="1" kern="1200" dirty="0"/>
+            <a:t>60 artists</a:t>
+          </a:r>
         </a:p>
       </dsp:txBody>
       <dsp:txXfrm>
-        <a:off x="267643" y="3287755"/>
+        <a:off x="547622" y="3314918"/>
         <a:ext cx="3238157" cy="1742543"/>
       </dsp:txXfrm>
     </dsp:sp>
@@ -3778,9 +3886,9 @@
         <dsp:cNvSpPr/>
       </dsp:nvSpPr>
       <dsp:spPr>
-        <a:xfrm>
-          <a:off x="6660897" y="3441214"/>
-          <a:ext cx="3670880" cy="1141770"/>
+        <a:xfrm rot="17867928">
+          <a:off x="9458676" y="3797225"/>
+          <a:ext cx="898815" cy="484076"/>
         </a:xfrm>
         <a:prstGeom prst="rect">
           <a:avLst/>
@@ -3804,12 +3912,12 @@
         <a:fontRef idx="minor"/>
       </dsp:style>
       <dsp:txBody>
-        <a:bodyPr spcFirstLastPara="0" vert="horz" wrap="square" lIns="82550" tIns="82550" rIns="82550" bIns="82550" numCol="1" spcCol="1270" anchor="ctr" anchorCtr="0">
+        <a:bodyPr spcFirstLastPara="0" vert="horz" wrap="square" lIns="30480" tIns="30480" rIns="30480" bIns="30480" numCol="1" spcCol="1270" anchor="ctr" anchorCtr="0">
           <a:noAutofit/>
         </a:bodyPr>
         <a:lstStyle/>
         <a:p>
-          <a:pPr marL="0" lvl="0" indent="0" algn="l" defTabSz="2889250">
+          <a:pPr marL="0" lvl="0" indent="0" algn="l" defTabSz="1066800">
             <a:lnSpc>
               <a:spcPct val="90000"/>
             </a:lnSpc>
@@ -3821,12 +3929,12 @@
             </a:spcAft>
             <a:buNone/>
           </a:pPr>
-          <a:endParaRPr lang="en-GB" sz="6500" kern="1200" dirty="0"/>
+          <a:endParaRPr lang="en-GB" sz="2400" kern="1200" dirty="0"/>
         </a:p>
       </dsp:txBody>
       <dsp:txXfrm>
-        <a:off x="6660897" y="3441214"/>
-        <a:ext cx="3670880" cy="1141770"/>
+        <a:off x="9458676" y="3797225"/>
+        <a:ext cx="898815" cy="484076"/>
       </dsp:txXfrm>
     </dsp:sp>
     <dsp:sp modelId="{6B3B7A22-8887-47A3-90E3-33B2FEB284DA}">
@@ -3836,8 +3944,8 @@
       </dsp:nvSpPr>
       <dsp:spPr>
         <a:xfrm>
-          <a:off x="7224706" y="0"/>
-          <a:ext cx="3043600" cy="2925769"/>
+          <a:off x="7510118" y="169661"/>
+          <a:ext cx="2821659" cy="1536385"/>
         </a:xfrm>
         <a:prstGeom prst="rect">
           <a:avLst/>
@@ -3861,12 +3969,12 @@
         <a:fontRef idx="minor"/>
       </dsp:style>
       <dsp:txBody>
-        <a:bodyPr spcFirstLastPara="0" vert="horz" wrap="square" lIns="82550" tIns="82550" rIns="82550" bIns="82550" numCol="1" spcCol="1270" anchor="ctr" anchorCtr="0">
+        <a:bodyPr spcFirstLastPara="0" vert="horz" wrap="square" lIns="20320" tIns="20320" rIns="20320" bIns="20320" numCol="1" spcCol="1270" anchor="ctr" anchorCtr="0">
           <a:noAutofit/>
         </a:bodyPr>
         <a:lstStyle/>
         <a:p>
-          <a:pPr marL="0" lvl="0" indent="0" algn="l" defTabSz="2889250">
+          <a:pPr marL="0" lvl="0" indent="0" algn="l" defTabSz="711200">
             <a:lnSpc>
               <a:spcPct val="90000"/>
             </a:lnSpc>
@@ -3878,12 +3986,16 @@
             </a:spcAft>
             <a:buNone/>
           </a:pPr>
-          <a:endParaRPr lang="en-GB" sz="6500" kern="1200" dirty="0"/>
+          <a:r>
+            <a:rPr lang="en-GB" sz="1600" b="0" i="0" kern="1200" dirty="0"/>
+            <a:t>The exhibition examines how the Internet has radically changed the field of art, especially in its production, distribution, and reception</a:t>
+          </a:r>
+          <a:endParaRPr lang="en-GB" sz="1600" kern="1200" dirty="0"/>
         </a:p>
       </dsp:txBody>
       <dsp:txXfrm>
-        <a:off x="7224706" y="0"/>
-        <a:ext cx="3043600" cy="2925769"/>
+        <a:off x="7510118" y="169661"/>
+        <a:ext cx="2821659" cy="1536385"/>
       </dsp:txXfrm>
     </dsp:sp>
   </dsp:spTree>
@@ -3905,8 +4017,8 @@
       </dsp:nvSpPr>
       <dsp:spPr>
         <a:xfrm>
-          <a:off x="2270269" y="801582"/>
-          <a:ext cx="3449572" cy="3282349"/>
+          <a:off x="1312605" y="630901"/>
+          <a:ext cx="3724803" cy="3544238"/>
         </a:xfrm>
         <a:prstGeom prst="ellipse">
           <a:avLst/>
@@ -3954,8 +4066,8 @@
       </dsp:nvSpPr>
       <dsp:spPr>
         <a:xfrm>
-          <a:off x="1348484" y="1367930"/>
-          <a:ext cx="758718" cy="758231"/>
+          <a:off x="1090822" y="709904"/>
+          <a:ext cx="678383" cy="679348"/>
         </a:xfrm>
         <a:prstGeom prst="donut">
           <a:avLst>
@@ -4005,8 +4117,8 @@
       </dsp:nvSpPr>
       <dsp:spPr>
         <a:xfrm>
-          <a:off x="2421506" y="927542"/>
-          <a:ext cx="3185883" cy="3030431"/>
+          <a:off x="1475923" y="766902"/>
+          <a:ext cx="3440075" cy="3272219"/>
         </a:xfrm>
         <a:prstGeom prst="ellipse">
           <a:avLst/>
@@ -4057,8 +4169,8 @@
       </dsp:nvSpPr>
       <dsp:spPr>
         <a:xfrm>
-          <a:off x="3992204" y="3575187"/>
-          <a:ext cx="2754788" cy="2683111"/>
+          <a:off x="4307367" y="3159767"/>
+          <a:ext cx="2974584" cy="2897188"/>
         </a:xfrm>
         <a:prstGeom prst="ellipse">
           <a:avLst/>
@@ -4106,8 +4218,8 @@
       </dsp:nvSpPr>
       <dsp:spPr>
         <a:xfrm>
-          <a:off x="4121364" y="3659722"/>
-          <a:ext cx="2496472" cy="2514506"/>
+          <a:off x="4446827" y="3251045"/>
+          <a:ext cx="2695658" cy="2715131"/>
         </a:xfrm>
         <a:prstGeom prst="ellipse">
           <a:avLst/>
@@ -4158,8 +4270,8 @@
       </dsp:nvSpPr>
       <dsp:spPr>
         <a:xfrm>
-          <a:off x="5865394" y="1733815"/>
-          <a:ext cx="2534054" cy="2525702"/>
+          <a:off x="5070984" y="383592"/>
+          <a:ext cx="2736238" cy="2727219"/>
         </a:xfrm>
         <a:prstGeom prst="ellipse">
           <a:avLst/>
@@ -4207,8 +4319,8 @@
       </dsp:nvSpPr>
       <dsp:spPr>
         <a:xfrm>
-          <a:off x="5560855" y="1082558"/>
-          <a:ext cx="561302" cy="561685"/>
+          <a:off x="4379994" y="482132"/>
+          <a:ext cx="606086" cy="606500"/>
         </a:xfrm>
         <a:prstGeom prst="donut">
           <a:avLst>
@@ -4258,8 +4370,8 @@
       </dsp:nvSpPr>
       <dsp:spPr>
         <a:xfrm>
-          <a:off x="3215007" y="4066725"/>
-          <a:ext cx="154120" cy="142691"/>
+          <a:off x="3386027" y="4216083"/>
+          <a:ext cx="166417" cy="154076"/>
         </a:xfrm>
         <a:prstGeom prst="donut">
           <a:avLst>
@@ -4309,8 +4421,8 @@
       </dsp:nvSpPr>
       <dsp:spPr>
         <a:xfrm>
-          <a:off x="6037099" y="1869724"/>
-          <a:ext cx="2254544" cy="2232839"/>
+          <a:off x="5256370" y="530335"/>
+          <a:ext cx="2434427" cy="2410990"/>
         </a:xfrm>
         <a:prstGeom prst="ellipse">
           <a:avLst/>
@@ -4361,8 +4473,8 @@
       </dsp:nvSpPr>
       <dsp:spPr>
         <a:xfrm>
-          <a:off x="263942" y="2773247"/>
-          <a:ext cx="2151196" cy="3250188"/>
+          <a:off x="116391" y="1991892"/>
+          <a:ext cx="1363495" cy="1332260"/>
         </a:xfrm>
         <a:prstGeom prst="rect">
           <a:avLst/>
@@ -4386,12 +4498,12 @@
         <a:fontRef idx="minor"/>
       </dsp:style>
       <dsp:txBody>
-        <a:bodyPr spcFirstLastPara="0" vert="horz" wrap="square" lIns="73660" tIns="73660" rIns="73660" bIns="7366" numCol="1" spcCol="1270" anchor="b" anchorCtr="0">
+        <a:bodyPr spcFirstLastPara="0" vert="horz" wrap="square" lIns="20320" tIns="20320" rIns="20320" bIns="2032" numCol="1" spcCol="1270" anchor="b" anchorCtr="0">
           <a:noAutofit/>
         </a:bodyPr>
         <a:lstStyle/>
         <a:p>
-          <a:pPr marL="0" lvl="0" indent="0" algn="r" defTabSz="2578100">
+          <a:pPr marL="0" lvl="0" indent="0" algn="l" defTabSz="711200">
             <a:lnSpc>
               <a:spcPct val="90000"/>
             </a:lnSpc>
@@ -4403,12 +4515,71 @@
             </a:spcAft>
             <a:buNone/>
           </a:pPr>
-          <a:endParaRPr lang="en-GB" sz="5800" kern="1200" dirty="0"/>
+          <a:r>
+            <a:rPr lang="en-GB" sz="1600" kern="1200" dirty="0"/>
+            <a:t>London, Hayward Gallery, London’s Southbank Centre, </a:t>
+          </a:r>
+        </a:p>
+        <a:p>
+          <a:pPr marL="0" lvl="0" indent="0" algn="l" defTabSz="711200">
+            <a:lnSpc>
+              <a:spcPct val="90000"/>
+            </a:lnSpc>
+            <a:spcBef>
+              <a:spcPct val="0"/>
+            </a:spcBef>
+            <a:spcAft>
+              <a:spcPct val="35000"/>
+            </a:spcAft>
+            <a:buNone/>
+          </a:pPr>
+          <a:r>
+            <a:rPr lang="en-GB" sz="1600" b="1" kern="1200" dirty="0"/>
+            <a:t>12</a:t>
+          </a:r>
+          <a:r>
+            <a:rPr lang="en-GB" sz="1600" b="1" kern="1200" baseline="30000" dirty="0"/>
+            <a:t>th</a:t>
+          </a:r>
+          <a:r>
+            <a:rPr lang="en-GB" sz="1600" b="1" kern="1200" dirty="0"/>
+            <a:t> June 2019</a:t>
+          </a:r>
+        </a:p>
+        <a:p>
+          <a:pPr marL="0" lvl="0" indent="0" algn="l" defTabSz="711200">
+            <a:lnSpc>
+              <a:spcPct val="90000"/>
+            </a:lnSpc>
+            <a:spcBef>
+              <a:spcPct val="0"/>
+            </a:spcBef>
+            <a:spcAft>
+              <a:spcPct val="35000"/>
+            </a:spcAft>
+            <a:buNone/>
+          </a:pPr>
+          <a:r>
+            <a:rPr lang="en-GB" sz="1600" kern="1200" dirty="0"/>
+            <a:t> till </a:t>
+          </a:r>
+          <a:r>
+            <a:rPr lang="en-GB" sz="1600" b="1" kern="1200" dirty="0"/>
+            <a:t>8</a:t>
+          </a:r>
+          <a:r>
+            <a:rPr lang="en-GB" sz="1600" b="1" kern="1200" baseline="30000" dirty="0"/>
+            <a:t>th</a:t>
+          </a:r>
+          <a:r>
+            <a:rPr lang="en-GB" sz="1600" b="1" kern="1200" dirty="0"/>
+            <a:t> September 2019 </a:t>
+          </a:r>
         </a:p>
       </dsp:txBody>
       <dsp:txXfrm>
-        <a:off x="263942" y="2773247"/>
-        <a:ext cx="2151196" cy="3250188"/>
+        <a:off x="116391" y="1991892"/>
+        <a:ext cx="1363495" cy="1332260"/>
       </dsp:txXfrm>
     </dsp:sp>
     <dsp:sp modelId="{28139CF9-0A01-4AD6-8AAE-3AB7ACDD212E}">
@@ -4418,8 +4589,8 @@
       </dsp:nvSpPr>
       <dsp:spPr>
         <a:xfrm>
-          <a:off x="6829770" y="4626804"/>
-          <a:ext cx="3791456" cy="1179273"/>
+          <a:off x="7598043" y="3965587"/>
+          <a:ext cx="3476390" cy="1870750"/>
         </a:xfrm>
         <a:prstGeom prst="rect">
           <a:avLst/>
@@ -4443,12 +4614,12 @@
         <a:fontRef idx="minor"/>
       </dsp:style>
       <dsp:txBody>
-        <a:bodyPr spcFirstLastPara="0" vert="horz" wrap="square" lIns="82550" tIns="82550" rIns="82550" bIns="82550" numCol="1" spcCol="1270" anchor="ctr" anchorCtr="0">
+        <a:bodyPr spcFirstLastPara="0" vert="horz" wrap="square" lIns="17780" tIns="17780" rIns="17780" bIns="17780" numCol="1" spcCol="1270" anchor="ctr" anchorCtr="0">
           <a:noAutofit/>
         </a:bodyPr>
         <a:lstStyle/>
         <a:p>
-          <a:pPr marL="0" lvl="0" indent="0" algn="l" defTabSz="2889250">
+          <a:pPr marL="0" lvl="0" indent="0" algn="l" defTabSz="622300">
             <a:lnSpc>
               <a:spcPct val="90000"/>
             </a:lnSpc>
@@ -4460,12 +4631,52 @@
             </a:spcAft>
             <a:buNone/>
           </a:pPr>
-          <a:endParaRPr lang="en-GB" sz="6500" kern="1200" dirty="0"/>
+          <a:r>
+            <a:rPr lang="en-GB" sz="1400" kern="1200" dirty="0"/>
+            <a:t>Key message from the exhibition:</a:t>
+          </a:r>
+          <a:r>
+            <a:rPr lang="en-GB" sz="1600" kern="1200" dirty="0"/>
+            <a:t> it is the right for the body to be </a:t>
+          </a:r>
+          <a:r>
+            <a:rPr lang="en-GB" sz="1600" b="1" kern="1200" dirty="0"/>
+            <a:t>subversive</a:t>
+          </a:r>
+          <a:r>
+            <a:rPr lang="en-GB" sz="1600" kern="1200" dirty="0"/>
+            <a:t>, </a:t>
+          </a:r>
+          <a:r>
+            <a:rPr lang="en-GB" sz="1600" b="1" kern="1200" dirty="0"/>
+            <a:t>mischievous</a:t>
+          </a:r>
+          <a:r>
+            <a:rPr lang="en-GB" sz="1600" kern="1200" dirty="0"/>
+            <a:t>, </a:t>
+          </a:r>
+          <a:r>
+            <a:rPr lang="en-GB" sz="1600" b="1" kern="1200" dirty="0"/>
+            <a:t>ambiguous</a:t>
+          </a:r>
+          <a:r>
+            <a:rPr lang="en-GB" sz="1600" kern="1200" dirty="0"/>
+            <a:t>, even </a:t>
+          </a:r>
+          <a:r>
+            <a:rPr lang="en-GB" sz="1600" b="1" kern="1200" dirty="0"/>
+            <a:t>illegible</a:t>
+          </a:r>
+          <a:r>
+            <a:rPr lang="en-GB" sz="1600" kern="1200" dirty="0"/>
+            <a:t>, demonstrating that an experience and fluid approach is both political and truly liberating </a:t>
+          </a:r>
+          <a:endParaRPr lang="en-GB" sz="1400" kern="1200" dirty="0"/>
         </a:p>
       </dsp:txBody>
       <dsp:txXfrm>
-        <a:off x="6829770" y="4626804"/>
-        <a:ext cx="3791456" cy="1179273"/>
+        <a:off x="7598043" y="3965587"/>
+        <a:ext cx="3476390" cy="1870750"/>
       </dsp:txXfrm>
     </dsp:sp>
     <dsp:sp modelId="{6B3B7A22-8887-47A3-90E3-33B2FEB284DA}">
@@ -4475,8 +4686,8 @@
       </dsp:nvSpPr>
       <dsp:spPr>
         <a:xfrm>
-          <a:off x="6353866" y="487104"/>
-          <a:ext cx="3791456" cy="1533322"/>
+          <a:off x="8219116" y="355927"/>
+          <a:ext cx="2915148" cy="1175668"/>
         </a:xfrm>
         <a:prstGeom prst="rect">
           <a:avLst/>
@@ -4500,12 +4711,12 @@
         <a:fontRef idx="minor"/>
       </dsp:style>
       <dsp:txBody>
-        <a:bodyPr spcFirstLastPara="0" vert="horz" wrap="square" lIns="82550" tIns="82550" rIns="82550" bIns="82550" numCol="1" spcCol="1270" anchor="ctr" anchorCtr="0">
+        <a:bodyPr spcFirstLastPara="0" vert="horz" wrap="square" lIns="20320" tIns="20320" rIns="20320" bIns="20320" numCol="1" spcCol="1270" anchor="ctr" anchorCtr="0">
           <a:noAutofit/>
         </a:bodyPr>
         <a:lstStyle/>
         <a:p>
-          <a:pPr marL="0" lvl="0" indent="0" algn="l" defTabSz="2889250">
+          <a:pPr marL="0" lvl="0" indent="0" algn="l" defTabSz="711200">
             <a:lnSpc>
               <a:spcPct val="90000"/>
             </a:lnSpc>
@@ -4517,12 +4728,15 @@
             </a:spcAft>
             <a:buNone/>
           </a:pPr>
-          <a:endParaRPr lang="en-GB" sz="6500" kern="1200" dirty="0"/>
+          <a:r>
+            <a:rPr lang="en-GB" sz="1600" kern="1200" dirty="0"/>
+            <a:t>The exhibition is not addressed to the masses. When you enter, you can turn right or left or go upstairs. It creates territories and areas of discoveries.</a:t>
+          </a:r>
         </a:p>
       </dsp:txBody>
       <dsp:txXfrm>
-        <a:off x="6353866" y="487104"/>
-        <a:ext cx="3791456" cy="1533322"/>
+        <a:off x="8219116" y="355927"/>
+        <a:ext cx="2915148" cy="1175668"/>
       </dsp:txXfrm>
     </dsp:sp>
   </dsp:spTree>
@@ -18593,8 +18807,8 @@
         </p:nvSpPr>
         <p:spPr>
           <a:xfrm>
-            <a:off x="6880514" y="628650"/>
-            <a:ext cx="4734789" cy="4524315"/>
+            <a:off x="6884247" y="495244"/>
+            <a:ext cx="4887543" cy="6278642"/>
           </a:xfrm>
           <a:prstGeom prst="rect">
             <a:avLst/>
@@ -18615,8 +18829,8 @@
               <a:buChar char="•"/>
             </a:pPr>
             <a:r>
-              <a:rPr lang="en-US"/>
-              <a:t>Since the 1970s she has given the opportiunity for artists involve with the black art movement, the feminist art movement and the politics of postmodernism and beyond</a:t>
+              <a:rPr lang="en-US" dirty="0"/>
+              <a:t>Since the 1970s she has given the opportunity for artists involve with the black art movement, the feminist art movement and the politics of postmodernism and beyond</a:t>
             </a:r>
           </a:p>
           <a:p>
@@ -18635,10 +18849,17 @@
               <a:buChar char="•"/>
             </a:pPr>
             <a:r>
-              <a:rPr lang="en-US"/>
-              <a:t>While working for MMA she helped build the museums's collection by adding works by different African –American artists </a:t>
+              <a:rPr lang="en-US" dirty="0"/>
+              <a:t>While working for </a:t>
             </a:r>
-            <a:endParaRPr lang="en-US" dirty="0"/>
+            <a:r>
+              <a:rPr lang="en-US" dirty="0" err="1"/>
+              <a:t>MMoA</a:t>
+            </a:r>
+            <a:r>
+              <a:rPr lang="en-US" dirty="0"/>
+              <a:t> she helped build the museum's collection by adding works by different African –American artists </a:t>
+            </a:r>
           </a:p>
           <a:p>
             <a:pPr marL="285750" indent="-285750" algn="ctr">
@@ -18647,7 +18868,7 @@
             </a:pPr>
             <a:r>
               <a:rPr lang="en-US" dirty="0"/>
-              <a:t>    </a:t>
+              <a:t>     </a:t>
             </a:r>
           </a:p>
           <a:p>
@@ -18656,17 +18877,40 @@
               <a:buChar char="•"/>
             </a:pPr>
             <a:r>
-              <a:rPr lang="en-US"/>
-              <a:t>Not just agreat curator for African-Amercian work, but as well-respected curator of any genre</a:t>
+              <a:rPr lang="en-US" dirty="0"/>
+              <a:t>Not just a great curator for African-American work, but a well-respected curator of any genre</a:t>
             </a:r>
-            <a:endParaRPr lang="en-US" dirty="0"/>
+          </a:p>
+          <a:p>
+            <a:pPr marL="285750" indent="-285750" algn="ctr">
+              <a:buFont typeface="Arial"/>
+              <a:buChar char="•"/>
+            </a:pPr>
+            <a:r>
+              <a:rPr lang="en-US" dirty="0"/>
+              <a:t>  </a:t>
+            </a:r>
           </a:p>
           <a:p>
             <a:pPr marL="285750" indent="-285750">
               <a:buFont typeface="Arial"/>
               <a:buChar char="•"/>
             </a:pPr>
-            <a:endParaRPr lang="en-US" dirty="0"/>
+            <a:r>
+              <a:rPr lang="en-US" sz="1600" i="1" dirty="0"/>
+              <a:t>“African-American artists who are growing are going to need to be nurtured. That’s essentially what we have to do, and despite the much-vaunted concept of globalism, I personally feel we all still need a sense of our uniqueness on this planet [...] ”            </a:t>
+            </a:r>
+          </a:p>
+          <a:p>
+            <a:pPr algn="r"/>
+            <a:r>
+              <a:rPr lang="en-US" sz="1600" i="1" dirty="0"/>
+              <a:t> </a:t>
+            </a:r>
+            <a:r>
+              <a:rPr lang="en-US" dirty="0"/>
+              <a:t>Lowery Stokes Sims</a:t>
+            </a:r>
           </a:p>
           <a:p>
             <a:pPr marL="285750" indent="-285750">
@@ -18733,14 +18977,19 @@
             <p:ph type="title"/>
           </p:nvPr>
         </p:nvSpPr>
-        <p:spPr/>
+        <p:spPr>
+          <a:xfrm>
+            <a:off x="427608" y="423909"/>
+            <a:ext cx="10058400" cy="1371600"/>
+          </a:xfrm>
+        </p:spPr>
         <p:txBody>
           <a:bodyPr/>
           <a:lstStyle/>
           <a:p>
             <a:r>
               <a:rPr lang="en-GB" dirty="0"/>
-              <a:t>Art and Race Matters , the career of Robert </a:t>
+              <a:t>Art and Race Matters, the career of Robert </a:t>
             </a:r>
             <a:r>
               <a:rPr lang="en-GB" dirty="0" err="1"/>
@@ -18840,23 +19089,7 @@
           <a:p>
             <a:r>
               <a:rPr lang="en-GB" dirty="0"/>
-              <a:t>Key area of </a:t>
-            </a:r>
-            <a:r>
-              <a:rPr lang="en-GB" dirty="0" err="1"/>
-              <a:t>Interst</a:t>
-            </a:r>
-            <a:r>
-              <a:rPr lang="en-GB" dirty="0"/>
-              <a:t> – Cultural Paradigm </a:t>
-            </a:r>
-            <a:r>
-              <a:rPr lang="en-GB" dirty="0" err="1"/>
-              <a:t>Shifs</a:t>
-            </a:r>
-            <a:r>
-              <a:rPr lang="en-GB" dirty="0"/>
-              <a:t> </a:t>
+              <a:t>Key area of Interest – Cultural Paradigm Shifts </a:t>
             </a:r>
           </a:p>
         </p:txBody>
@@ -19308,7 +19541,7 @@
             <a:pPr algn="ctr"/>
             <a:r>
               <a:rPr lang="en-GB" sz="2000" dirty="0"/>
-              <a:t>1. Do the cultural paradigm shifts have any impact on Art?</a:t>
+              <a:t>1. Do cultural paradigm shifts have any impact on Art?</a:t>
             </a:r>
           </a:p>
           <a:p>
@@ -19322,7 +19555,7 @@
             <a:pPr algn="ctr"/>
             <a:r>
               <a:rPr lang="en-GB" sz="2000" dirty="0"/>
-              <a:t>2. What impact does the Art have on the society ?</a:t>
+              <a:t>2. What impact does Art have on society?</a:t>
             </a:r>
           </a:p>
           <a:p>
@@ -19336,7 +19569,7 @@
             <a:pPr algn="ctr"/>
             <a:r>
               <a:rPr lang="en-GB" sz="2000" dirty="0"/>
-              <a:t>3.How does Art help to understand different changes / paradigm shifts in the society ? Does it at all? </a:t>
+              <a:t>3. How does Art help to understand different changes/paradigm shifts in the society? Does it at all? </a:t>
             </a:r>
           </a:p>
         </p:txBody>
@@ -19460,254 +19693,6 @@
 </file>
 
 <file path=ppt/slides/slide14.xml><?xml version="1.0" encoding="utf-8"?>
-<p:sld xmlns:a="http://schemas.openxmlformats.org/drawingml/2006/main" xmlns:r="http://schemas.openxmlformats.org/officeDocument/2006/relationships" xmlns:p="http://schemas.openxmlformats.org/presentationml/2006/main">
-  <p:cSld>
-    <p:spTree>
-      <p:nvGrpSpPr>
-        <p:cNvPr id="1" name=""/>
-        <p:cNvGrpSpPr/>
-        <p:nvPr/>
-      </p:nvGrpSpPr>
-      <p:grpSpPr>
-        <a:xfrm>
-          <a:off x="0" y="0"/>
-          <a:ext cx="0" cy="0"/>
-          <a:chOff x="0" y="0"/>
-          <a:chExt cx="0" cy="0"/>
-        </a:xfrm>
-      </p:grpSpPr>
-      <p:sp>
-        <p:nvSpPr>
-          <p:cNvPr id="2" name="Title 1">
-            <a:extLst>
-              <a:ext uri="{FF2B5EF4-FFF2-40B4-BE49-F238E27FC236}">
-                <a16:creationId xmlns:a16="http://schemas.microsoft.com/office/drawing/2014/main" id="{B7FF84CB-DDB9-46D3-9C0F-A645810EBACF}"/>
-              </a:ext>
-            </a:extLst>
-          </p:cNvPr>
-          <p:cNvSpPr>
-            <a:spLocks noGrp="1"/>
-          </p:cNvSpPr>
-          <p:nvPr>
-            <p:ph type="title"/>
-          </p:nvPr>
-        </p:nvSpPr>
-        <p:spPr>
-          <a:xfrm>
-            <a:off x="997527" y="651253"/>
-            <a:ext cx="8144741" cy="1068532"/>
-          </a:xfrm>
-        </p:spPr>
-        <p:style>
-          <a:lnRef idx="0">
-            <a:schemeClr val="accent1"/>
-          </a:lnRef>
-          <a:fillRef idx="3">
-            <a:schemeClr val="accent1"/>
-          </a:fillRef>
-          <a:effectRef idx="3">
-            <a:schemeClr val="accent1"/>
-          </a:effectRef>
-          <a:fontRef idx="minor">
-            <a:schemeClr val="lt1"/>
-          </a:fontRef>
-        </p:style>
-        <p:txBody>
-          <a:bodyPr/>
-          <a:lstStyle/>
-          <a:p>
-            <a:r>
-              <a:rPr lang="en-US"/>
-              <a:t> Bibliography</a:t>
-            </a:r>
-          </a:p>
-        </p:txBody>
-      </p:sp>
-      <p:sp>
-        <p:nvSpPr>
-          <p:cNvPr id="4" name="TextBox 3">
-            <a:extLst>
-              <a:ext uri="{FF2B5EF4-FFF2-40B4-BE49-F238E27FC236}">
-                <a16:creationId xmlns:a16="http://schemas.microsoft.com/office/drawing/2014/main" id="{C9E3160E-93E9-4D0A-8F88-8EA61DF75447}"/>
-              </a:ext>
-            </a:extLst>
-          </p:cNvPr>
-          <p:cNvSpPr txBox="1"/>
-          <p:nvPr/>
-        </p:nvSpPr>
-        <p:spPr>
-          <a:xfrm>
-            <a:off x="923060" y="2334491"/>
-            <a:ext cx="6544539" cy="2031325"/>
-          </a:xfrm>
-          <a:prstGeom prst="rect">
-            <a:avLst/>
-          </a:prstGeom>
-          <a:noFill/>
-        </p:spPr>
-        <p:txBody>
-          <a:bodyPr rot="0" spcFirstLastPara="0" vertOverflow="overflow" horzOverflow="overflow" vert="horz" wrap="square" lIns="91440" tIns="45720" rIns="91440" bIns="45720" numCol="1" spcCol="0" rtlCol="0" fromWordArt="0" anchor="t" anchorCtr="0" forceAA="0" compatLnSpc="1">
-            <a:prstTxWarp prst="textNoShape">
-              <a:avLst/>
-            </a:prstTxWarp>
-            <a:spAutoFit/>
-          </a:bodyPr>
-          <a:lstStyle/>
-          <a:p>
-            <a:pPr marL="285750" indent="-285750">
-              <a:buFont typeface="Arial" panose="020B0604020202020204" pitchFamily="34" charset="0"/>
-              <a:buChar char="•"/>
-            </a:pPr>
-            <a:r>
-              <a:rPr lang="en-US" sz="1400" dirty="0">
-                <a:ea typeface="+mn-lt"/>
-                <a:cs typeface="+mn-lt"/>
-                <a:hlinkClick r:id="rId2"/>
-              </a:rPr>
-              <a:t>https://www.linkedin.com › lowery-sims-2b255422</a:t>
-            </a:r>
-            <a:endParaRPr lang="en-US" sz="1400" dirty="0"/>
-          </a:p>
-          <a:p>
-            <a:pPr marL="285750" indent="-285750">
-              <a:buFont typeface="Arial"/>
-              <a:buChar char="•"/>
-            </a:pPr>
-            <a:r>
-              <a:rPr lang="en-US" sz="1400" dirty="0">
-                <a:ea typeface="+mn-lt"/>
-                <a:cs typeface="+mn-lt"/>
-                <a:hlinkClick r:id="rId3"/>
-              </a:rPr>
-              <a:t>https://en.wikipedia.org › wiki › Lowery_Stokes_Sims</a:t>
-            </a:r>
-            <a:endParaRPr lang="en-US" sz="1400" dirty="0"/>
-          </a:p>
-          <a:p>
-            <a:pPr marL="285750" indent="-285750">
-              <a:buFont typeface="Arial"/>
-              <a:buChar char="•"/>
-            </a:pPr>
-            <a:r>
-              <a:rPr lang="en-US" sz="1400" dirty="0">
-                <a:ea typeface="+mn-lt"/>
-                <a:cs typeface="+mn-lt"/>
-                <a:hlinkClick r:id="rId4"/>
-              </a:rPr>
-              <a:t>https://art.arts.uci.edu › lowery-stokes-sims</a:t>
-            </a:r>
-            <a:endParaRPr lang="en-US" sz="1400"/>
-          </a:p>
-          <a:p>
-            <a:pPr marL="285750" indent="-285750" algn="l">
-              <a:buFont typeface="Arial"/>
-              <a:buChar char="•"/>
-            </a:pPr>
-            <a:r>
-              <a:rPr lang="en-US" sz="1400" dirty="0">
-                <a:ea typeface="+mn-lt"/>
-                <a:cs typeface="+mn-lt"/>
-                <a:hlinkClick r:id="rId5"/>
-              </a:rPr>
-              <a:t>https://www.encyclopedia.com/education/news-wires-white-papers-and-books/sims-lowery-stokes-1949</a:t>
-            </a:r>
-          </a:p>
-          <a:p>
-            <a:pPr marL="285750" indent="-285750">
-              <a:buFont typeface="Arial"/>
-              <a:buChar char="•"/>
-            </a:pPr>
-            <a:r>
-              <a:rPr lang="en-US" sz="1400" dirty="0">
-                <a:ea typeface="+mn-lt"/>
-                <a:cs typeface="+mn-lt"/>
-                <a:hlinkClick r:id="rId6"/>
-              </a:rPr>
-              <a:t>https://www.artnews.com/art-news/news/i-was-really-a-nerd-lowery-stokes-sims-at-arttables-2017-benefit-8194/</a:t>
-            </a:r>
-          </a:p>
-          <a:p>
-            <a:pPr marL="285750" indent="-285750">
-              <a:buFont typeface="Arial"/>
-              <a:buChar char="•"/>
-            </a:pPr>
-            <a:endParaRPr lang="en-US" sz="1400" dirty="0"/>
-          </a:p>
-          <a:p>
-            <a:pPr marL="285750" indent="-285750">
-              <a:buFont typeface="Arial"/>
-              <a:buChar char="•"/>
-            </a:pPr>
-            <a:endParaRPr lang="en-US" sz="1400" dirty="0"/>
-          </a:p>
-        </p:txBody>
-      </p:sp>
-      <p:sp>
-        <p:nvSpPr>
-          <p:cNvPr id="6" name="Rectangle 5">
-            <a:extLst>
-              <a:ext uri="{FF2B5EF4-FFF2-40B4-BE49-F238E27FC236}">
-                <a16:creationId xmlns:a16="http://schemas.microsoft.com/office/drawing/2014/main" id="{64F65C17-0C87-4CC0-B5CA-EE0501C0C5CE}"/>
-              </a:ext>
-            </a:extLst>
-          </p:cNvPr>
-          <p:cNvSpPr/>
-          <p:nvPr/>
-        </p:nvSpPr>
-        <p:spPr>
-          <a:xfrm>
-            <a:off x="1058140" y="694459"/>
-            <a:ext cx="8035635" cy="987135"/>
-          </a:xfrm>
-          <a:prstGeom prst="rect">
-            <a:avLst/>
-          </a:prstGeom>
-          <a:noFill/>
-          <a:ln w="12700">
-            <a:solidFill>
-              <a:schemeClr val="bg1"/>
-            </a:solidFill>
-          </a:ln>
-        </p:spPr>
-        <p:style>
-          <a:lnRef idx="2">
-            <a:schemeClr val="accent1">
-              <a:shade val="50000"/>
-            </a:schemeClr>
-          </a:lnRef>
-          <a:fillRef idx="1">
-            <a:schemeClr val="accent1"/>
-          </a:fillRef>
-          <a:effectRef idx="0">
-            <a:schemeClr val="accent1"/>
-          </a:effectRef>
-          <a:fontRef idx="minor">
-            <a:schemeClr val="lt1"/>
-          </a:fontRef>
-        </p:style>
-        <p:txBody>
-          <a:bodyPr rtlCol="0" anchor="ctr"/>
-          <a:lstStyle/>
-          <a:p>
-            <a:pPr algn="ctr"/>
-            <a:endParaRPr lang="en-US"/>
-          </a:p>
-        </p:txBody>
-      </p:sp>
-    </p:spTree>
-    <p:extLst>
-      <p:ext uri="{BB962C8B-B14F-4D97-AF65-F5344CB8AC3E}">
-        <p14:creationId xmlns:p14="http://schemas.microsoft.com/office/powerpoint/2010/main" val="2188919342"/>
-      </p:ext>
-    </p:extLst>
-  </p:cSld>
-  <p:clrMapOvr>
-    <a:masterClrMapping/>
-  </p:clrMapOvr>
-</p:sld>
-</file>
-
-<file path=ppt/slides/slide15.xml><?xml version="1.0" encoding="utf-8"?>
 <p:sld xmlns:a="http://schemas.openxmlformats.org/drawingml/2006/main" xmlns:r="http://schemas.openxmlformats.org/officeDocument/2006/relationships" xmlns:p="http://schemas.openxmlformats.org/presentationml/2006/main">
   <p:cSld>
     <p:bg>
@@ -20017,6 +20002,257 @@
 </p:sld>
 </file>
 
+<file path=ppt/slides/slide15.xml><?xml version="1.0" encoding="utf-8"?>
+<p:sld xmlns:a="http://schemas.openxmlformats.org/drawingml/2006/main" xmlns:r="http://schemas.openxmlformats.org/officeDocument/2006/relationships" xmlns:p="http://schemas.openxmlformats.org/presentationml/2006/main">
+  <p:cSld>
+    <p:spTree>
+      <p:nvGrpSpPr>
+        <p:cNvPr id="1" name=""/>
+        <p:cNvGrpSpPr/>
+        <p:nvPr/>
+      </p:nvGrpSpPr>
+      <p:grpSpPr>
+        <a:xfrm>
+          <a:off x="0" y="0"/>
+          <a:ext cx="0" cy="0"/>
+          <a:chOff x="0" y="0"/>
+          <a:chExt cx="0" cy="0"/>
+        </a:xfrm>
+      </p:grpSpPr>
+      <p:sp>
+        <p:nvSpPr>
+          <p:cNvPr id="2" name="Title 1">
+            <a:extLst>
+              <a:ext uri="{FF2B5EF4-FFF2-40B4-BE49-F238E27FC236}">
+                <a16:creationId xmlns:a16="http://schemas.microsoft.com/office/drawing/2014/main" id="{B7FF84CB-DDB9-46D3-9C0F-A645810EBACF}"/>
+              </a:ext>
+            </a:extLst>
+          </p:cNvPr>
+          <p:cNvSpPr>
+            <a:spLocks noGrp="1"/>
+          </p:cNvSpPr>
+          <p:nvPr>
+            <p:ph type="title"/>
+          </p:nvPr>
+        </p:nvSpPr>
+        <p:spPr>
+          <a:xfrm>
+            <a:off x="997527" y="651253"/>
+            <a:ext cx="8144741" cy="1068532"/>
+          </a:xfrm>
+        </p:spPr>
+        <p:style>
+          <a:lnRef idx="0">
+            <a:schemeClr val="accent1"/>
+          </a:lnRef>
+          <a:fillRef idx="3">
+            <a:schemeClr val="accent1"/>
+          </a:fillRef>
+          <a:effectRef idx="3">
+            <a:schemeClr val="accent1"/>
+          </a:effectRef>
+          <a:fontRef idx="minor">
+            <a:schemeClr val="lt1"/>
+          </a:fontRef>
+        </p:style>
+        <p:txBody>
+          <a:bodyPr/>
+          <a:lstStyle/>
+          <a:p>
+            <a:r>
+              <a:rPr lang="en-US"/>
+              <a:t> Bibliography</a:t>
+            </a:r>
+          </a:p>
+        </p:txBody>
+      </p:sp>
+      <p:sp>
+        <p:nvSpPr>
+          <p:cNvPr id="4" name="TextBox 3">
+            <a:extLst>
+              <a:ext uri="{FF2B5EF4-FFF2-40B4-BE49-F238E27FC236}">
+                <a16:creationId xmlns:a16="http://schemas.microsoft.com/office/drawing/2014/main" id="{C9E3160E-93E9-4D0A-8F88-8EA61DF75447}"/>
+              </a:ext>
+            </a:extLst>
+          </p:cNvPr>
+          <p:cNvSpPr txBox="1"/>
+          <p:nvPr/>
+        </p:nvSpPr>
+        <p:spPr>
+          <a:xfrm>
+            <a:off x="923060" y="2334491"/>
+            <a:ext cx="6544539" cy="2031325"/>
+          </a:xfrm>
+          <a:prstGeom prst="rect">
+            <a:avLst/>
+          </a:prstGeom>
+          <a:noFill/>
+        </p:spPr>
+        <p:txBody>
+          <a:bodyPr rot="0" spcFirstLastPara="0" vertOverflow="overflow" horzOverflow="overflow" vert="horz" wrap="square" lIns="91440" tIns="45720" rIns="91440" bIns="45720" numCol="1" spcCol="0" rtlCol="0" fromWordArt="0" anchor="t" anchorCtr="0" forceAA="0" compatLnSpc="1">
+            <a:prstTxWarp prst="textNoShape">
+              <a:avLst/>
+            </a:prstTxWarp>
+            <a:spAutoFit/>
+          </a:bodyPr>
+          <a:lstStyle/>
+          <a:p>
+            <a:pPr marL="285750" indent="-285750">
+              <a:buFont typeface="Arial" panose="020B0604020202020204" pitchFamily="34" charset="0"/>
+              <a:buChar char="•"/>
+            </a:pPr>
+            <a:r>
+              <a:rPr lang="en-US" sz="1400" dirty="0">
+                <a:ea typeface="+mn-lt"/>
+                <a:cs typeface="+mn-lt"/>
+                <a:hlinkClick r:id="rId3"/>
+              </a:rPr>
+              <a:t>https://www.linkedin.com › lowery-sims-2b255422</a:t>
+            </a:r>
+            <a:endParaRPr lang="en-US" sz="1400" dirty="0"/>
+          </a:p>
+          <a:p>
+            <a:pPr marL="285750" indent="-285750">
+              <a:buFont typeface="Arial"/>
+              <a:buChar char="•"/>
+            </a:pPr>
+            <a:r>
+              <a:rPr lang="en-US" sz="1400" dirty="0">
+                <a:ea typeface="+mn-lt"/>
+                <a:cs typeface="+mn-lt"/>
+                <a:hlinkClick r:id="rId4"/>
+              </a:rPr>
+              <a:t>https://en.wikipedia.org › wiki › Lowery_Stokes_Sims</a:t>
+            </a:r>
+            <a:endParaRPr lang="en-US" sz="1400" dirty="0"/>
+          </a:p>
+          <a:p>
+            <a:pPr marL="285750" indent="-285750">
+              <a:buFont typeface="Arial"/>
+              <a:buChar char="•"/>
+            </a:pPr>
+            <a:r>
+              <a:rPr lang="en-US" sz="1400" dirty="0">
+                <a:ea typeface="+mn-lt"/>
+                <a:cs typeface="+mn-lt"/>
+                <a:hlinkClick r:id="rId5"/>
+              </a:rPr>
+              <a:t>https://art.arts.uci.edu › lowery-stokes-sims</a:t>
+            </a:r>
+            <a:endParaRPr lang="en-US" sz="1400"/>
+          </a:p>
+          <a:p>
+            <a:pPr marL="285750" indent="-285750" algn="l">
+              <a:buFont typeface="Arial"/>
+              <a:buChar char="•"/>
+            </a:pPr>
+            <a:r>
+              <a:rPr lang="en-US" sz="1400" dirty="0">
+                <a:ea typeface="+mn-lt"/>
+                <a:cs typeface="+mn-lt"/>
+                <a:hlinkClick r:id="rId6"/>
+              </a:rPr>
+              <a:t>https://www.encyclopedia.com/education/news-wires-white-papers-and-books/sims-lowery-stokes-1949</a:t>
+            </a:r>
+          </a:p>
+          <a:p>
+            <a:pPr marL="285750" indent="-285750">
+              <a:buFont typeface="Arial"/>
+              <a:buChar char="•"/>
+            </a:pPr>
+            <a:r>
+              <a:rPr lang="en-US" sz="1400" dirty="0">
+                <a:ea typeface="+mn-lt"/>
+                <a:cs typeface="+mn-lt"/>
+                <a:hlinkClick r:id="rId7"/>
+              </a:rPr>
+              <a:t>https://www.artnews.com/art-news/news/i-was-really-a-nerd-lowery-stokes-sims-at-arttables-2017-benefit-8194/</a:t>
+            </a:r>
+          </a:p>
+          <a:p>
+            <a:pPr marL="285750" indent="-285750">
+              <a:buFont typeface="Arial"/>
+              <a:buChar char="•"/>
+            </a:pPr>
+            <a:endParaRPr lang="en-US" sz="1400" dirty="0"/>
+          </a:p>
+          <a:p>
+            <a:pPr marL="285750" indent="-285750">
+              <a:buFont typeface="Arial"/>
+              <a:buChar char="•"/>
+            </a:pPr>
+            <a:endParaRPr lang="en-US" sz="1400" dirty="0"/>
+          </a:p>
+        </p:txBody>
+      </p:sp>
+      <p:sp>
+        <p:nvSpPr>
+          <p:cNvPr id="6" name="Rectangle 5">
+            <a:extLst>
+              <a:ext uri="{FF2B5EF4-FFF2-40B4-BE49-F238E27FC236}">
+                <a16:creationId xmlns:a16="http://schemas.microsoft.com/office/drawing/2014/main" id="{64F65C17-0C87-4CC0-B5CA-EE0501C0C5CE}"/>
+              </a:ext>
+            </a:extLst>
+          </p:cNvPr>
+          <p:cNvSpPr/>
+          <p:nvPr/>
+        </p:nvSpPr>
+        <p:spPr>
+          <a:xfrm>
+            <a:off x="1058140" y="694459"/>
+            <a:ext cx="8035635" cy="987135"/>
+          </a:xfrm>
+          <a:prstGeom prst="rect">
+            <a:avLst/>
+          </a:prstGeom>
+          <a:noFill/>
+          <a:ln w="12700">
+            <a:solidFill>
+              <a:schemeClr val="bg1"/>
+            </a:solidFill>
+          </a:ln>
+        </p:spPr>
+        <p:style>
+          <a:lnRef idx="2">
+            <a:schemeClr val="accent1">
+              <a:shade val="50000"/>
+            </a:schemeClr>
+          </a:lnRef>
+          <a:fillRef idx="1">
+            <a:schemeClr val="accent1"/>
+          </a:fillRef>
+          <a:effectRef idx="0">
+            <a:schemeClr val="accent1"/>
+          </a:effectRef>
+          <a:fontRef idx="minor">
+            <a:schemeClr val="lt1"/>
+          </a:fontRef>
+        </p:style>
+        <p:txBody>
+          <a:bodyPr rtlCol="0" anchor="ctr"/>
+          <a:lstStyle/>
+          <a:p>
+            <a:pPr algn="ctr"/>
+            <a:endParaRPr lang="en-US"/>
+          </a:p>
+        </p:txBody>
+      </p:sp>
+    </p:spTree>
+    <p:custDataLst>
+      <p:tags r:id="rId1"/>
+    </p:custDataLst>
+    <p:extLst>
+      <p:ext uri="{BB962C8B-B14F-4D97-AF65-F5344CB8AC3E}">
+        <p14:creationId xmlns:p14="http://schemas.microsoft.com/office/powerpoint/2010/main" val="2188919342"/>
+      </p:ext>
+    </p:extLst>
+  </p:cSld>
+  <p:clrMapOvr>
+    <a:masterClrMapping/>
+  </p:clrMapOvr>
+</p:sld>
+</file>
+
 <file path=ppt/slides/slide2.xml><?xml version="1.0" encoding="utf-8"?>
 <p:sld xmlns:a="http://schemas.openxmlformats.org/drawingml/2006/main" xmlns:r="http://schemas.openxmlformats.org/officeDocument/2006/relationships" xmlns:p="http://schemas.openxmlformats.org/presentationml/2006/main">
   <p:cSld>
@@ -20110,6 +20346,9 @@
         </p:txBody>
       </p:sp>
     </p:spTree>
+    <p:custDataLst>
+      <p:tags r:id="rId1"/>
+    </p:custDataLst>
     <p:extLst>
       <p:ext uri="{BB962C8B-B14F-4D97-AF65-F5344CB8AC3E}">
         <p14:creationId xmlns:p14="http://schemas.microsoft.com/office/powerpoint/2010/main" val="2436847145"/>
@@ -21956,7 +22195,7 @@
         </p:blipFill>
         <p:spPr>
           <a:xfrm>
-            <a:off x="2725930" y="673737"/>
+            <a:off x="2821978" y="693476"/>
             <a:ext cx="3871913" cy="2378075"/>
           </a:xfrm>
           <a:prstGeom prst="rect">
@@ -22129,8 +22368,8 @@
         </p:nvSpPr>
         <p:spPr>
           <a:xfrm>
-            <a:off x="881849" y="3656172"/>
-            <a:ext cx="6096741" cy="2585323"/>
+            <a:off x="501102" y="3679457"/>
+            <a:ext cx="6096741" cy="2308324"/>
           </a:xfrm>
           <a:prstGeom prst="rect">
             <a:avLst/>
@@ -22143,10 +22382,7 @@
           </a:bodyPr>
           <a:lstStyle/>
           <a:p>
-            <a:pPr marL="285750" indent="-285750">
-              <a:buFont typeface="Arial" panose="020B0604020202020204" pitchFamily="34" charset="0"/>
-              <a:buChar char="•"/>
-            </a:pPr>
+            <a:pPr algn="ctr"/>
             <a:r>
               <a:rPr lang="en-GB" dirty="0"/>
               <a:t>Used to be a curator at the Museum of Modern Art </a:t>
@@ -22163,10 +22399,7 @@
             </a:r>
           </a:p>
           <a:p>
-            <a:pPr marL="285750" indent="-285750">
-              <a:buFont typeface="Arial" panose="020B0604020202020204" pitchFamily="34" charset="0"/>
-              <a:buChar char="•"/>
-            </a:pPr>
+            <a:pPr algn="ctr"/>
             <a:r>
               <a:rPr lang="en-GB" dirty="0"/>
               <a:t>BA &amp; MA  in Art History </a:t>
@@ -22183,10 +22416,7 @@
             </a:r>
           </a:p>
           <a:p>
-            <a:pPr marL="285750" indent="-285750">
-              <a:buFont typeface="Arial" panose="020B0604020202020204" pitchFamily="34" charset="0"/>
-              <a:buChar char="•"/>
-            </a:pPr>
+            <a:pPr algn="ctr"/>
             <a:r>
               <a:rPr lang="en-GB" dirty="0"/>
               <a:t>Since 2014 Fellow at the Centre for Curatorial Leadership</a:t>
@@ -22203,10 +22433,7 @@
             </a:r>
           </a:p>
           <a:p>
-            <a:pPr marL="285750" indent="-285750" algn="ctr">
-              <a:buFont typeface="Arial" panose="020B0604020202020204" pitchFamily="34" charset="0"/>
-              <a:buChar char="•"/>
-            </a:pPr>
+            <a:pPr algn="ctr"/>
             <a:r>
               <a:rPr lang="en-GB" dirty="0"/>
               <a:t>Visiting Lecturer, critic, speaker at a numerous of universities </a:t>
@@ -22228,7 +22455,7 @@
         </p:nvSpPr>
         <p:spPr>
           <a:xfrm>
-            <a:off x="621437" y="2365426"/>
+            <a:off x="621437" y="2228671"/>
             <a:ext cx="2432481" cy="1200329"/>
           </a:xfrm>
           <a:prstGeom prst="rect">
@@ -22264,7 +22491,7 @@
         <p:spPr>
           <a:xfrm>
             <a:off x="6789940" y="909468"/>
-            <a:ext cx="4696287" cy="5355312"/>
+            <a:ext cx="4696287" cy="5078313"/>
           </a:xfrm>
           <a:prstGeom prst="rect">
             <a:avLst/>
@@ -22277,10 +22504,7 @@
           </a:bodyPr>
           <a:lstStyle/>
           <a:p>
-            <a:pPr marL="285750" indent="-285750">
-              <a:buFont typeface="Arial" panose="020B0604020202020204" pitchFamily="34" charset="0"/>
-              <a:buChar char="•"/>
-            </a:pPr>
+            <a:pPr algn="ctr"/>
             <a:r>
               <a:rPr lang="en-GB" dirty="0"/>
               <a:t>Published numerous books and catalogues , museum publications</a:t>
@@ -22297,10 +22521,7 @@
             </a:r>
           </a:p>
           <a:p>
-            <a:pPr marL="285750" indent="-285750">
-              <a:buFont typeface="Arial" panose="020B0604020202020204" pitchFamily="34" charset="0"/>
-              <a:buChar char="•"/>
-            </a:pPr>
+            <a:pPr algn="ctr"/>
             <a:r>
               <a:rPr lang="en-GB" dirty="0"/>
               <a:t> Organised  numerous exhibitions of contemporary Art &amp; Photography</a:t>
@@ -22317,10 +22538,7 @@
             </a:r>
           </a:p>
           <a:p>
-            <a:pPr marL="285750" indent="-285750">
-              <a:buFont typeface="Arial" panose="020B0604020202020204" pitchFamily="34" charset="0"/>
-              <a:buChar char="•"/>
-            </a:pPr>
+            <a:pPr algn="ctr"/>
             <a:r>
               <a:rPr lang="en-GB" dirty="0"/>
               <a:t>Specialises in global contemporary art and image-making practices </a:t>
@@ -22335,10 +22553,6 @@
               <a:rPr lang="en-GB" dirty="0"/>
               <a:t> </a:t>
             </a:r>
-          </a:p>
-          <a:p>
-            <a:pPr algn="ctr"/>
-            <a:endParaRPr lang="en-GB" dirty="0"/>
           </a:p>
           <a:p>
             <a:pPr algn="ctr"/>
@@ -22459,7 +22673,7 @@
         </p:nvSpPr>
         <p:spPr>
           <a:xfrm>
-            <a:off x="1066800" y="642594"/>
+            <a:off x="409853" y="340753"/>
             <a:ext cx="8473126" cy="1371600"/>
           </a:xfrm>
         </p:spPr>
@@ -22489,14 +22703,14 @@
           <p:nvPr>
             <p:extLst>
               <p:ext uri="{D42A27DB-BD31-4B8C-83A1-F6EECF244321}">
-                <p14:modId xmlns:p14="http://schemas.microsoft.com/office/powerpoint/2010/main" val="3476615756"/>
+                <p14:modId xmlns:p14="http://schemas.microsoft.com/office/powerpoint/2010/main" val="1358459774"/>
               </p:ext>
             </p:extLst>
           </p:nvPr>
         </p:nvGraphicFramePr>
         <p:xfrm>
-          <a:off x="793422" y="1188325"/>
-          <a:ext cx="10331778" cy="5256863"/>
+          <a:off x="757912" y="986459"/>
+          <a:ext cx="10331778" cy="5530788"/>
         </p:xfrm>
         <a:graphic>
           <a:graphicData uri="http://schemas.openxmlformats.org/drawingml/2006/diagram">
@@ -22504,6 +22718,170 @@
           </a:graphicData>
         </a:graphic>
       </p:graphicFrame>
+      <p:sp>
+        <p:nvSpPr>
+          <p:cNvPr id="5" name="Circle: Hollow 4">
+            <a:extLst>
+              <a:ext uri="{FF2B5EF4-FFF2-40B4-BE49-F238E27FC236}">
+                <a16:creationId xmlns:a16="http://schemas.microsoft.com/office/drawing/2014/main" id="{2CECE9F7-96DC-46E3-A98A-30C9CBE221B4}"/>
+              </a:ext>
+            </a:extLst>
+          </p:cNvPr>
+          <p:cNvSpPr/>
+          <p:nvPr/>
+        </p:nvSpPr>
+        <p:spPr>
+          <a:xfrm>
+            <a:off x="4717437" y="1565943"/>
+            <a:ext cx="345707" cy="358364"/>
+          </a:xfrm>
+          <a:prstGeom prst="donut">
+            <a:avLst>
+              <a:gd name="adj" fmla="val 7460"/>
+            </a:avLst>
+          </a:prstGeom>
+        </p:spPr>
+        <p:style>
+          <a:lnRef idx="2">
+            <a:schemeClr val="accent1">
+              <a:hueOff val="0"/>
+              <a:satOff val="0"/>
+              <a:lumOff val="0"/>
+              <a:alphaOff val="0"/>
+            </a:schemeClr>
+          </a:lnRef>
+          <a:fillRef idx="1">
+            <a:schemeClr val="accent1">
+              <a:hueOff val="0"/>
+              <a:satOff val="0"/>
+              <a:lumOff val="0"/>
+              <a:alphaOff val="0"/>
+            </a:schemeClr>
+          </a:fillRef>
+          <a:effectRef idx="1">
+            <a:schemeClr val="accent1">
+              <a:hueOff val="0"/>
+              <a:satOff val="0"/>
+              <a:lumOff val="0"/>
+              <a:alphaOff val="0"/>
+            </a:schemeClr>
+          </a:effectRef>
+          <a:fontRef idx="minor">
+            <a:schemeClr val="lt1"/>
+          </a:fontRef>
+        </p:style>
+      </p:sp>
+      <p:sp>
+        <p:nvSpPr>
+          <p:cNvPr id="2" name="TextBox 1">
+            <a:extLst>
+              <a:ext uri="{FF2B5EF4-FFF2-40B4-BE49-F238E27FC236}">
+                <a16:creationId xmlns:a16="http://schemas.microsoft.com/office/drawing/2014/main" id="{2209018C-EF12-49BF-AC1A-63EE35A3AFDE}"/>
+              </a:ext>
+            </a:extLst>
+          </p:cNvPr>
+          <p:cNvSpPr txBox="1"/>
+          <p:nvPr/>
+        </p:nvSpPr>
+        <p:spPr>
+          <a:xfrm>
+            <a:off x="409853" y="2485748"/>
+            <a:ext cx="1589103" cy="861774"/>
+          </a:xfrm>
+          <a:prstGeom prst="rect">
+            <a:avLst/>
+          </a:prstGeom>
+          <a:noFill/>
+        </p:spPr>
+        <p:txBody>
+          <a:bodyPr wrap="square" rtlCol="0">
+            <a:spAutoFit/>
+          </a:bodyPr>
+          <a:lstStyle/>
+          <a:p>
+            <a:r>
+              <a:rPr lang="en-GB" sz="1600" dirty="0"/>
+              <a:t>7 Feb 2018 – 20 May 2018,</a:t>
+            </a:r>
+          </a:p>
+          <a:p>
+            <a:r>
+              <a:rPr lang="en-GB" sz="1600" dirty="0"/>
+              <a:t>At ICA Boston</a:t>
+            </a:r>
+          </a:p>
+        </p:txBody>
+      </p:sp>
+      <p:sp>
+        <p:nvSpPr>
+          <p:cNvPr id="6" name="TextBox 5">
+            <a:extLst>
+              <a:ext uri="{FF2B5EF4-FFF2-40B4-BE49-F238E27FC236}">
+                <a16:creationId xmlns:a16="http://schemas.microsoft.com/office/drawing/2014/main" id="{3ECCB2D5-6909-4D9E-B97A-52299D4A7833}"/>
+              </a:ext>
+            </a:extLst>
+          </p:cNvPr>
+          <p:cNvSpPr txBox="1"/>
+          <p:nvPr/>
+        </p:nvSpPr>
+        <p:spPr>
+          <a:xfrm>
+            <a:off x="409853" y="3477186"/>
+            <a:ext cx="1951607" cy="1569660"/>
+          </a:xfrm>
+          <a:prstGeom prst="rect">
+            <a:avLst/>
+          </a:prstGeom>
+          <a:noFill/>
+        </p:spPr>
+        <p:txBody>
+          <a:bodyPr wrap="square" rtlCol="0">
+            <a:spAutoFit/>
+          </a:bodyPr>
+          <a:lstStyle/>
+          <a:p>
+            <a:r>
+              <a:rPr lang="en-GB" sz="1600" dirty="0"/>
+              <a:t>Boston is  a birthplace of experiments that have structurally changed the way we live in the world</a:t>
+            </a:r>
+          </a:p>
+        </p:txBody>
+      </p:sp>
+      <p:sp>
+        <p:nvSpPr>
+          <p:cNvPr id="7" name="TextBox 6">
+            <a:extLst>
+              <a:ext uri="{FF2B5EF4-FFF2-40B4-BE49-F238E27FC236}">
+                <a16:creationId xmlns:a16="http://schemas.microsoft.com/office/drawing/2014/main" id="{9677F22C-B187-4C4C-904B-B101D230FB87}"/>
+              </a:ext>
+            </a:extLst>
+          </p:cNvPr>
+          <p:cNvSpPr txBox="1"/>
+          <p:nvPr/>
+        </p:nvSpPr>
+        <p:spPr>
+          <a:xfrm>
+            <a:off x="8123069" y="3000652"/>
+            <a:ext cx="2752077" cy="1754326"/>
+          </a:xfrm>
+          <a:prstGeom prst="rect">
+            <a:avLst/>
+          </a:prstGeom>
+          <a:noFill/>
+        </p:spPr>
+        <p:txBody>
+          <a:bodyPr wrap="square" rtlCol="0">
+            <a:spAutoFit/>
+          </a:bodyPr>
+          <a:lstStyle/>
+          <a:p>
+            <a:r>
+              <a:rPr lang="en-GB" dirty="0"/>
+              <a:t>All projects included in the exhibition investigate the extensive effects of the internet on artistic practise and contemporary culture</a:t>
+            </a:r>
+          </a:p>
+        </p:txBody>
+      </p:sp>
     </p:spTree>
     <p:custDataLst>
       <p:tags r:id="rId1"/>
@@ -22559,7 +22937,7 @@
         </p:nvSpPr>
         <p:spPr>
           <a:xfrm>
-            <a:off x="816745" y="632532"/>
+            <a:off x="603682" y="510030"/>
             <a:ext cx="3790766" cy="1219169"/>
           </a:xfrm>
           <a:prstGeom prst="rect">
@@ -22609,7 +22987,7 @@
         </p:nvSpPr>
         <p:spPr>
           <a:xfrm>
-            <a:off x="1019181" y="841868"/>
+            <a:off x="806119" y="719368"/>
             <a:ext cx="3388581" cy="853767"/>
           </a:xfrm>
         </p:spPr>
@@ -22658,7 +23036,7 @@
         </p:nvSpPr>
         <p:spPr>
           <a:xfrm>
-            <a:off x="932154" y="736088"/>
+            <a:off x="719092" y="613588"/>
             <a:ext cx="3559947" cy="1012055"/>
           </a:xfrm>
           <a:prstGeom prst="rect">
@@ -22724,7 +23102,7 @@
         </p:blipFill>
         <p:spPr>
           <a:xfrm>
-            <a:off x="2182156" y="1883047"/>
+            <a:off x="2432482" y="1678915"/>
             <a:ext cx="3190586" cy="2128396"/>
           </a:xfrm>
           <a:prstGeom prst="rect">
@@ -22756,7 +23134,7 @@
         </p:nvSpPr>
         <p:spPr>
           <a:xfrm>
-            <a:off x="692458" y="4167509"/>
+            <a:off x="603682" y="4107307"/>
             <a:ext cx="4039340" cy="2031325"/>
           </a:xfrm>
           <a:prstGeom prst="rect">
@@ -22770,10 +23148,7 @@
           </a:bodyPr>
           <a:lstStyle/>
           <a:p>
-            <a:pPr marL="285750" indent="-285750">
-              <a:buFont typeface="Arial" panose="020B0604020202020204" pitchFamily="34" charset="0"/>
-              <a:buChar char="•"/>
-            </a:pPr>
+            <a:pPr algn="ctr"/>
             <a:r>
               <a:rPr lang="en-GB" dirty="0"/>
               <a:t>Has an experience that includes roles in the Palais de Tokyo and Tate Modern</a:t>
@@ -22790,10 +23165,7 @@
             </a:r>
           </a:p>
           <a:p>
-            <a:pPr marL="285750" indent="-285750">
-              <a:buFont typeface="Arial" panose="020B0604020202020204" pitchFamily="34" charset="0"/>
-              <a:buChar char="•"/>
-            </a:pPr>
+            <a:pPr algn="ctr"/>
             <a:r>
               <a:rPr lang="en-GB" dirty="0"/>
               <a:t>Since October 2017 Senior Curator at Hayward Gallery in London </a:t>
@@ -22825,8 +23197,8 @@
         </p:nvSpPr>
         <p:spPr>
           <a:xfrm>
-            <a:off x="5764569" y="736088"/>
-            <a:ext cx="5491110" cy="4801314"/>
+            <a:off x="5894771" y="613588"/>
+            <a:ext cx="5578137" cy="5078313"/>
           </a:xfrm>
           <a:prstGeom prst="rect">
             <a:avLst/>
@@ -22839,10 +23211,7 @@
           </a:bodyPr>
           <a:lstStyle/>
           <a:p>
-            <a:pPr marL="285750" indent="-285750">
-              <a:buFont typeface="Arial" panose="020B0604020202020204" pitchFamily="34" charset="0"/>
-              <a:buChar char="•"/>
-            </a:pPr>
+            <a:pPr algn="ctr"/>
             <a:r>
               <a:rPr lang="en-GB" dirty="0"/>
               <a:t>His work leaves an unforgettable impression on the world of art</a:t>
@@ -22859,13 +23228,10 @@
             </a:r>
           </a:p>
           <a:p>
-            <a:pPr marL="285750" indent="-285750">
-              <a:buFont typeface="Arial" panose="020B0604020202020204" pitchFamily="34" charset="0"/>
-              <a:buChar char="•"/>
-            </a:pPr>
+            <a:pPr algn="ctr"/>
             <a:r>
               <a:rPr lang="en-GB" dirty="0"/>
-              <a:t>Why curator? To fully embrace contemporary Art</a:t>
+              <a:t>Why curator?- To fully embrace contemporary Art</a:t>
             </a:r>
           </a:p>
           <a:p>
@@ -22959,19 +23325,23 @@
               <a:buFont typeface="Arial" panose="020B0604020202020204" pitchFamily="34" charset="0"/>
               <a:buChar char="•"/>
             </a:pPr>
-            <a:r>
-              <a:rPr lang="en-GB" dirty="0"/>
-              <a:t> </a:t>
-            </a:r>
-          </a:p>
-          <a:p>
-            <a:pPr marL="285750" indent="-285750">
+            <a:endParaRPr lang="en-GB" dirty="0"/>
+          </a:p>
+          <a:p>
+            <a:pPr marL="285750" indent="-285750" algn="ctr">
               <a:buFont typeface="Arial" panose="020B0604020202020204" pitchFamily="34" charset="0"/>
               <a:buChar char="•"/>
             </a:pPr>
             <a:r>
               <a:rPr lang="en-GB" dirty="0"/>
-              <a:t>Previously ,he wanted to become a teacher  to teach &amp; to learn , but he quickly realised that as a curator he will still be able to learn new things</a:t>
+              <a:t> </a:t>
+            </a:r>
+          </a:p>
+          <a:p>
+            <a:pPr algn="ctr"/>
+            <a:r>
+              <a:rPr lang="en-GB" dirty="0"/>
+              <a:t>Previously, he wanted to become a teacher  to teach &amp; to learn , but he quickly realised that as a curator he will still be able to learn new things</a:t>
             </a:r>
           </a:p>
         </p:txBody>
@@ -22990,7 +23360,7 @@
         </p:nvSpPr>
         <p:spPr>
           <a:xfrm>
-            <a:off x="381740" y="1936310"/>
+            <a:off x="603682" y="1888335"/>
             <a:ext cx="1944210" cy="1754326"/>
           </a:xfrm>
           <a:prstGeom prst="rect">
@@ -23006,7 +23376,7 @@
           <a:p>
             <a:r>
               <a:rPr lang="en-GB" dirty="0"/>
-              <a:t>Curious Curator – Director and Chief Curator, writer  based in London and Paris</a:t>
+              <a:t>Curious Curator – Director and Chief Curator, writer, based in London and Paris</a:t>
             </a:r>
           </a:p>
         </p:txBody>
@@ -23119,14 +23489,14 @@
             <p:ph idx="1"/>
             <p:extLst>
               <p:ext uri="{D42A27DB-BD31-4B8C-83A1-F6EECF244321}">
-                <p14:modId xmlns:p14="http://schemas.microsoft.com/office/powerpoint/2010/main" val="3164639494"/>
+                <p14:modId xmlns:p14="http://schemas.microsoft.com/office/powerpoint/2010/main" val="1643501772"/>
               </p:ext>
             </p:extLst>
           </p:nvPr>
         </p:nvGraphicFramePr>
         <p:xfrm>
-          <a:off x="961534" y="160255"/>
-          <a:ext cx="10671142" cy="6325385"/>
+          <a:off x="462295" y="346687"/>
+          <a:ext cx="11522559" cy="6325385"/>
         </p:xfrm>
         <a:graphic>
           <a:graphicData uri="http://schemas.openxmlformats.org/drawingml/2006/diagram">
@@ -23156,7 +23526,7 @@
         </p:blipFill>
         <p:spPr>
           <a:xfrm>
-            <a:off x="4407917" y="545225"/>
+            <a:off x="1434235" y="1749204"/>
             <a:ext cx="258351" cy="258172"/>
           </a:xfrm>
           <a:prstGeom prst="rect">
@@ -23186,7 +23556,7 @@
         </p:blipFill>
         <p:spPr>
           <a:xfrm>
-            <a:off x="4253603" y="4298326"/>
+            <a:off x="4013906" y="4431491"/>
             <a:ext cx="566977" cy="566977"/>
           </a:xfrm>
           <a:prstGeom prst="rect">
@@ -23216,7 +23586,7 @@
         </p:blipFill>
         <p:spPr>
           <a:xfrm>
-            <a:off x="1703995" y="1224014"/>
+            <a:off x="5380816" y="476030"/>
             <a:ext cx="396561" cy="396561"/>
           </a:xfrm>
           <a:prstGeom prst="rect">
@@ -23224,6 +23594,191 @@
           </a:prstGeom>
         </p:spPr>
       </p:pic>
+      <p:sp>
+        <p:nvSpPr>
+          <p:cNvPr id="3" name="TextBox 2">
+            <a:extLst>
+              <a:ext uri="{FF2B5EF4-FFF2-40B4-BE49-F238E27FC236}">
+                <a16:creationId xmlns:a16="http://schemas.microsoft.com/office/drawing/2014/main" id="{4F9DDB1E-DDA8-44AF-82A7-439C30F2960C}"/>
+              </a:ext>
+            </a:extLst>
+          </p:cNvPr>
+          <p:cNvSpPr txBox="1"/>
+          <p:nvPr/>
+        </p:nvSpPr>
+        <p:spPr>
+          <a:xfrm>
+            <a:off x="2477198" y="4630915"/>
+            <a:ext cx="2343049" cy="1815882"/>
+          </a:xfrm>
+          <a:prstGeom prst="rect">
+            <a:avLst/>
+          </a:prstGeom>
+          <a:noFill/>
+        </p:spPr>
+        <p:txBody>
+          <a:bodyPr wrap="square" numCol="1" rtlCol="0">
+            <a:spAutoFit/>
+          </a:bodyPr>
+          <a:lstStyle/>
+          <a:p>
+            <a:pPr marL="285750" indent="-285750">
+              <a:buFont typeface="Arial" panose="020B0604020202020204" pitchFamily="34" charset="0"/>
+              <a:buChar char="•"/>
+            </a:pPr>
+            <a:r>
+              <a:rPr lang="en-GB" sz="1600" dirty="0"/>
+              <a:t>Film</a:t>
+            </a:r>
+          </a:p>
+          <a:p>
+            <a:pPr marL="285750" indent="-285750">
+              <a:buFont typeface="Arial" panose="020B0604020202020204" pitchFamily="34" charset="0"/>
+              <a:buChar char="•"/>
+            </a:pPr>
+            <a:r>
+              <a:rPr lang="en-GB" sz="1600" dirty="0"/>
+              <a:t>Drawing</a:t>
+            </a:r>
+          </a:p>
+          <a:p>
+            <a:pPr marL="285750" indent="-285750">
+              <a:buFont typeface="Arial" panose="020B0604020202020204" pitchFamily="34" charset="0"/>
+              <a:buChar char="•"/>
+            </a:pPr>
+            <a:r>
+              <a:rPr lang="en-GB" sz="1600" dirty="0"/>
+              <a:t>Painting</a:t>
+            </a:r>
+          </a:p>
+          <a:p>
+            <a:pPr marL="285750" indent="-285750">
+              <a:buFont typeface="Arial" panose="020B0604020202020204" pitchFamily="34" charset="0"/>
+              <a:buChar char="•"/>
+            </a:pPr>
+            <a:r>
+              <a:rPr lang="en-GB" sz="1600" dirty="0"/>
+              <a:t>Performance</a:t>
+            </a:r>
+          </a:p>
+          <a:p>
+            <a:pPr marL="285750" indent="-285750">
+              <a:buFont typeface="Arial" panose="020B0604020202020204" pitchFamily="34" charset="0"/>
+              <a:buChar char="•"/>
+            </a:pPr>
+            <a:r>
+              <a:rPr lang="en-GB" sz="1600" dirty="0"/>
+              <a:t>Photography</a:t>
+            </a:r>
+          </a:p>
+          <a:p>
+            <a:pPr marL="285750" indent="-285750">
+              <a:buFont typeface="Arial" panose="020B0604020202020204" pitchFamily="34" charset="0"/>
+              <a:buChar char="•"/>
+            </a:pPr>
+            <a:r>
+              <a:rPr lang="en-GB" sz="1600" dirty="0"/>
+              <a:t>Spanning sculpture</a:t>
+            </a:r>
+          </a:p>
+          <a:p>
+            <a:endParaRPr lang="en-GB" sz="1600" dirty="0"/>
+          </a:p>
+        </p:txBody>
+      </p:sp>
+      <p:sp>
+        <p:nvSpPr>
+          <p:cNvPr id="5" name="TextBox 4">
+            <a:extLst>
+              <a:ext uri="{FF2B5EF4-FFF2-40B4-BE49-F238E27FC236}">
+                <a16:creationId xmlns:a16="http://schemas.microsoft.com/office/drawing/2014/main" id="{5DF792C9-2EAB-4376-B88F-F993CDDA6676}"/>
+              </a:ext>
+            </a:extLst>
+          </p:cNvPr>
+          <p:cNvSpPr txBox="1"/>
+          <p:nvPr/>
+        </p:nvSpPr>
+        <p:spPr>
+          <a:xfrm>
+            <a:off x="462295" y="4120918"/>
+            <a:ext cx="1943881" cy="2062103"/>
+          </a:xfrm>
+          <a:prstGeom prst="rect">
+            <a:avLst/>
+          </a:prstGeom>
+          <a:noFill/>
+        </p:spPr>
+        <p:txBody>
+          <a:bodyPr wrap="square" rtlCol="0">
+            <a:spAutoFit/>
+          </a:bodyPr>
+          <a:lstStyle/>
+          <a:p>
+            <a:r>
+              <a:rPr lang="en-GB" sz="1600" b="1" dirty="0"/>
+              <a:t>30 international artists and over 100 works </a:t>
+            </a:r>
+            <a:r>
+              <a:rPr lang="en-GB" sz="1600" dirty="0"/>
+              <a:t>–explores and celebrates gender identities  and fluidity </a:t>
+            </a:r>
+          </a:p>
+          <a:p>
+            <a:endParaRPr lang="en-GB" sz="1600" dirty="0"/>
+          </a:p>
+        </p:txBody>
+      </p:sp>
+      <p:sp>
+        <p:nvSpPr>
+          <p:cNvPr id="6" name="TextBox 5">
+            <a:extLst>
+              <a:ext uri="{FF2B5EF4-FFF2-40B4-BE49-F238E27FC236}">
+                <a16:creationId xmlns:a16="http://schemas.microsoft.com/office/drawing/2014/main" id="{67F6CBF5-83DF-47FF-800E-ED079E5B569B}"/>
+              </a:ext>
+            </a:extLst>
+          </p:cNvPr>
+          <p:cNvSpPr txBox="1"/>
+          <p:nvPr/>
+        </p:nvSpPr>
+        <p:spPr>
+          <a:xfrm>
+            <a:off x="8566951" y="2083814"/>
+            <a:ext cx="2760955" cy="2339102"/>
+          </a:xfrm>
+          <a:prstGeom prst="rect">
+            <a:avLst/>
+          </a:prstGeom>
+          <a:noFill/>
+        </p:spPr>
+        <p:txBody>
+          <a:bodyPr wrap="square" rtlCol="0">
+            <a:spAutoFit/>
+          </a:bodyPr>
+          <a:lstStyle/>
+          <a:p>
+            <a:r>
+              <a:rPr lang="en-GB" sz="1600" i="1" dirty="0"/>
+              <a:t>“I think this is the first exhibition in a massive gallery in the UK which is not just about addressing queer theories, but trying to go beyond that and create a real celebration of different genders”</a:t>
+            </a:r>
+          </a:p>
+          <a:p>
+            <a:pPr algn="r"/>
+            <a:r>
+              <a:rPr lang="en-GB" sz="1600" i="1" dirty="0"/>
+              <a:t>~ </a:t>
+            </a:r>
+            <a:r>
+              <a:rPr lang="en-GB" sz="1600" dirty="0"/>
+              <a:t>Vincent </a:t>
+            </a:r>
+            <a:r>
+              <a:rPr lang="en-GB" sz="1600" dirty="0" err="1"/>
+              <a:t>Honore</a:t>
+            </a:r>
+            <a:endParaRPr lang="en-GB" sz="1600" dirty="0"/>
+          </a:p>
+        </p:txBody>
+      </p:sp>
     </p:spTree>
     <p:custDataLst>
       <p:tags r:id="rId1"/>
@@ -23333,7 +23888,7 @@
         </p:blipFill>
         <p:spPr>
           <a:xfrm>
-            <a:off x="659090" y="705344"/>
+            <a:off x="667968" y="598812"/>
             <a:ext cx="3804234" cy="1231499"/>
           </a:xfrm>
           <a:prstGeom prst="rect">
@@ -23359,7 +23914,7 @@
         </p:nvSpPr>
         <p:spPr>
           <a:xfrm>
-            <a:off x="926644" y="806897"/>
+            <a:off x="935522" y="700365"/>
             <a:ext cx="3260248" cy="985421"/>
           </a:xfrm>
         </p:spPr>
@@ -23376,23 +23931,7 @@
                   <a:srgbClr val="FFFFFF"/>
                 </a:solidFill>
               </a:rPr>
-              <a:t>Lucy </a:t>
-            </a:r>
-            <a:r>
-              <a:rPr lang="en-GB" dirty="0" err="1">
-                <a:solidFill>
-                  <a:srgbClr val="FFFFFF"/>
-                </a:solidFill>
-              </a:rPr>
-              <a:t>R.Lippard</a:t>
-            </a:r>
-            <a:r>
-              <a:rPr lang="en-GB" dirty="0">
-                <a:solidFill>
-                  <a:srgbClr val="FFFFFF"/>
-                </a:solidFill>
-              </a:rPr>
-              <a:t> </a:t>
+              <a:t>Lucy R. Lippard </a:t>
             </a:r>
           </a:p>
         </p:txBody>
@@ -23411,7 +23950,7 @@
         </p:nvSpPr>
         <p:spPr>
           <a:xfrm>
-            <a:off x="763479" y="806898"/>
+            <a:off x="736846" y="673733"/>
             <a:ext cx="3586578" cy="985421"/>
           </a:xfrm>
           <a:prstGeom prst="rect">
@@ -23446,6 +23985,265 @@
           <a:p>
             <a:pPr algn="ctr"/>
             <a:endParaRPr lang="en-GB"/>
+          </a:p>
+        </p:txBody>
+      </p:sp>
+      <p:sp>
+        <p:nvSpPr>
+          <p:cNvPr id="3" name="TextBox 2">
+            <a:extLst>
+              <a:ext uri="{FF2B5EF4-FFF2-40B4-BE49-F238E27FC236}">
+                <a16:creationId xmlns:a16="http://schemas.microsoft.com/office/drawing/2014/main" id="{06947043-32C5-4152-AD7F-AF9E4101AC6E}"/>
+              </a:ext>
+            </a:extLst>
+          </p:cNvPr>
+          <p:cNvSpPr txBox="1"/>
+          <p:nvPr/>
+        </p:nvSpPr>
+        <p:spPr>
+          <a:xfrm>
+            <a:off x="667968" y="1995947"/>
+            <a:ext cx="3255962" cy="646331"/>
+          </a:xfrm>
+          <a:prstGeom prst="rect">
+            <a:avLst/>
+          </a:prstGeom>
+          <a:noFill/>
+        </p:spPr>
+        <p:txBody>
+          <a:bodyPr wrap="square" rtlCol="0">
+            <a:spAutoFit/>
+          </a:bodyPr>
+          <a:lstStyle/>
+          <a:p>
+            <a:r>
+              <a:rPr lang="en-GB" b="1" dirty="0"/>
+              <a:t>American writer ,art critic activist and curator </a:t>
+            </a:r>
+          </a:p>
+        </p:txBody>
+      </p:sp>
+      <p:sp>
+        <p:nvSpPr>
+          <p:cNvPr id="6" name="TextBox 5">
+            <a:extLst>
+              <a:ext uri="{FF2B5EF4-FFF2-40B4-BE49-F238E27FC236}">
+                <a16:creationId xmlns:a16="http://schemas.microsoft.com/office/drawing/2014/main" id="{68E26728-A2BC-4002-9C84-E998361C760C}"/>
+              </a:ext>
+            </a:extLst>
+          </p:cNvPr>
+          <p:cNvSpPr txBox="1"/>
+          <p:nvPr/>
+        </p:nvSpPr>
+        <p:spPr>
+          <a:xfrm>
+            <a:off x="540467" y="2807914"/>
+            <a:ext cx="3655456" cy="3416320"/>
+          </a:xfrm>
+          <a:prstGeom prst="rect">
+            <a:avLst/>
+          </a:prstGeom>
+          <a:noFill/>
+        </p:spPr>
+        <p:txBody>
+          <a:bodyPr wrap="square" rtlCol="0">
+            <a:spAutoFit/>
+          </a:bodyPr>
+          <a:lstStyle/>
+          <a:p>
+            <a:pPr algn="ctr"/>
+            <a:r>
+              <a:rPr lang="en-GB" dirty="0"/>
+              <a:t>One of the first writers to argue for the ‘dematerialization’ at work in conceptual art</a:t>
+            </a:r>
+          </a:p>
+          <a:p>
+            <a:pPr marL="285750" indent="-285750" algn="ctr">
+              <a:buFont typeface="Arial" panose="020B0604020202020204" pitchFamily="34" charset="0"/>
+              <a:buChar char="•"/>
+            </a:pPr>
+            <a:r>
+              <a:rPr lang="en-GB" dirty="0"/>
+              <a:t>  </a:t>
+            </a:r>
+          </a:p>
+          <a:p>
+            <a:pPr algn="ctr"/>
+            <a:r>
+              <a:rPr lang="en-GB" dirty="0"/>
+              <a:t>Early champion of feminist art</a:t>
+            </a:r>
+          </a:p>
+          <a:p>
+            <a:pPr marL="285750" indent="-285750" algn="ctr">
+              <a:buFont typeface="Arial" panose="020B0604020202020204" pitchFamily="34" charset="0"/>
+              <a:buChar char="•"/>
+            </a:pPr>
+            <a:r>
+              <a:rPr lang="en-GB" dirty="0"/>
+              <a:t> </a:t>
+            </a:r>
+          </a:p>
+          <a:p>
+            <a:pPr algn="ctr"/>
+            <a:r>
+              <a:rPr lang="en-GB" dirty="0"/>
+              <a:t>Just out of college Lippard began to work in MoMA in library and then after BA and MA in Art History as a Curator– curated over 50 exhibitions</a:t>
+            </a:r>
+          </a:p>
+          <a:p>
+            <a:pPr marL="285750" indent="-285750">
+              <a:buFont typeface="Arial" panose="020B0604020202020204" pitchFamily="34" charset="0"/>
+              <a:buChar char="•"/>
+            </a:pPr>
+            <a:endParaRPr lang="en-GB" dirty="0"/>
+          </a:p>
+        </p:txBody>
+      </p:sp>
+      <p:sp>
+        <p:nvSpPr>
+          <p:cNvPr id="8" name="TextBox 7">
+            <a:extLst>
+              <a:ext uri="{FF2B5EF4-FFF2-40B4-BE49-F238E27FC236}">
+                <a16:creationId xmlns:a16="http://schemas.microsoft.com/office/drawing/2014/main" id="{5B8654A4-1B2C-48D5-B340-085D62E961E1}"/>
+              </a:ext>
+            </a:extLst>
+          </p:cNvPr>
+          <p:cNvSpPr txBox="1"/>
+          <p:nvPr/>
+        </p:nvSpPr>
+        <p:spPr>
+          <a:xfrm>
+            <a:off x="4317914" y="2807914"/>
+            <a:ext cx="2985041" cy="2585323"/>
+          </a:xfrm>
+          <a:prstGeom prst="rect">
+            <a:avLst/>
+          </a:prstGeom>
+          <a:noFill/>
+        </p:spPr>
+        <p:txBody>
+          <a:bodyPr wrap="square" rtlCol="0">
+            <a:spAutoFit/>
+          </a:bodyPr>
+          <a:lstStyle/>
+          <a:p>
+            <a:pPr algn="ctr"/>
+            <a:r>
+              <a:rPr lang="en-GB" dirty="0"/>
+              <a:t>Sine 1966 she has published </a:t>
+            </a:r>
+            <a:r>
+              <a:rPr lang="en-GB" b="1" dirty="0"/>
+              <a:t>20 books</a:t>
+            </a:r>
+            <a:r>
+              <a:rPr lang="en-GB" dirty="0"/>
+              <a:t>– including one novel on feminism , art ,politics and peace </a:t>
+            </a:r>
+          </a:p>
+          <a:p>
+            <a:pPr marL="285750" indent="-285750" algn="ctr">
+              <a:buFont typeface="Arial" panose="020B0604020202020204" pitchFamily="34" charset="0"/>
+              <a:buChar char="•"/>
+            </a:pPr>
+            <a:r>
+              <a:rPr lang="en-GB" dirty="0"/>
+              <a:t> </a:t>
+            </a:r>
+          </a:p>
+          <a:p>
+            <a:pPr algn="ctr"/>
+            <a:r>
+              <a:rPr lang="en-GB" dirty="0"/>
+              <a:t>Most of her books on art reflect her activist politics</a:t>
+            </a:r>
+          </a:p>
+          <a:p>
+            <a:endParaRPr lang="en-GB" dirty="0"/>
+          </a:p>
+        </p:txBody>
+      </p:sp>
+      <p:sp>
+        <p:nvSpPr>
+          <p:cNvPr id="9" name="Rectangle 8">
+            <a:extLst>
+              <a:ext uri="{FF2B5EF4-FFF2-40B4-BE49-F238E27FC236}">
+                <a16:creationId xmlns:a16="http://schemas.microsoft.com/office/drawing/2014/main" id="{D52E334F-1206-4A32-83C2-6FA5B204F68B}"/>
+              </a:ext>
+            </a:extLst>
+          </p:cNvPr>
+          <p:cNvSpPr/>
+          <p:nvPr/>
+        </p:nvSpPr>
+        <p:spPr>
+          <a:xfrm>
+            <a:off x="7253056" y="1443841"/>
+            <a:ext cx="4421080" cy="3970318"/>
+          </a:xfrm>
+          <a:prstGeom prst="rect">
+            <a:avLst/>
+          </a:prstGeom>
+        </p:spPr>
+        <p:txBody>
+          <a:bodyPr wrap="square">
+            <a:spAutoFit/>
+          </a:bodyPr>
+          <a:lstStyle/>
+          <a:p>
+            <a:pPr algn="ctr"/>
+            <a:r>
+              <a:rPr lang="en-GB" dirty="0"/>
+              <a:t>She reformed the practise of curating by introducing bold concepts aimed to establish a communication with a wider audience</a:t>
+            </a:r>
+          </a:p>
+          <a:p>
+            <a:pPr marL="285750" indent="-285750" algn="ctr">
+              <a:buFont typeface="Arial" panose="020B0604020202020204" pitchFamily="34" charset="0"/>
+              <a:buChar char="•"/>
+            </a:pPr>
+            <a:r>
+              <a:rPr lang="en-GB" dirty="0"/>
+              <a:t>  </a:t>
+            </a:r>
+          </a:p>
+          <a:p>
+            <a:pPr algn="ctr"/>
+            <a:r>
+              <a:rPr lang="en-GB" dirty="0"/>
+              <a:t>Lippard is constantly moving forward from the predeterminate positions of a curator to critic and vice versa</a:t>
+            </a:r>
+          </a:p>
+          <a:p>
+            <a:pPr marL="285750" indent="-285750" algn="ctr">
+              <a:buFont typeface="Arial" panose="020B0604020202020204" pitchFamily="34" charset="0"/>
+              <a:buChar char="•"/>
+            </a:pPr>
+            <a:r>
+              <a:rPr lang="en-GB" dirty="0"/>
+              <a:t> </a:t>
+            </a:r>
+          </a:p>
+          <a:p>
+            <a:pPr algn="ctr"/>
+            <a:r>
+              <a:rPr lang="en-GB" dirty="0"/>
+              <a:t>She used the feminist tool to speak about the importance of all people (artists) being labelled as the Others</a:t>
+            </a:r>
+          </a:p>
+          <a:p>
+            <a:pPr marL="285750" indent="-285750" algn="ctr">
+              <a:buFont typeface="Arial" panose="020B0604020202020204" pitchFamily="34" charset="0"/>
+              <a:buChar char="•"/>
+            </a:pPr>
+            <a:endParaRPr lang="en-GB" dirty="0"/>
+          </a:p>
+          <a:p>
+            <a:pPr marL="285750" indent="-285750">
+              <a:buFont typeface="Arial" panose="020B0604020202020204" pitchFamily="34" charset="0"/>
+              <a:buChar char="•"/>
+            </a:pPr>
+            <a:endParaRPr lang="en-GB" dirty="0"/>
           </a:p>
         </p:txBody>
       </p:sp>
@@ -23748,6 +24546,20 @@
 </file>
 
 <file path=ppt/tags/tag13.xml><?xml version="1.0" encoding="utf-8"?>
+<p:tagLst xmlns:a="http://schemas.openxmlformats.org/drawingml/2006/main" xmlns:r="http://schemas.openxmlformats.org/officeDocument/2006/relationships" xmlns:p="http://schemas.openxmlformats.org/presentationml/2006/main">
+  <p:tag name="POINTS" val="1"/>
+  <p:tag name="TIME" val="15"/>
+</p:tagLst>
+</file>
+
+<file path=ppt/tags/tag14.xml><?xml version="1.0" encoding="utf-8"?>
+<p:tagLst xmlns:a="http://schemas.openxmlformats.org/drawingml/2006/main" xmlns:r="http://schemas.openxmlformats.org/officeDocument/2006/relationships" xmlns:p="http://schemas.openxmlformats.org/presentationml/2006/main">
+  <p:tag name="POINTS" val="1"/>
+  <p:tag name="TIME" val="15"/>
+</p:tagLst>
+</file>
+
+<file path=ppt/tags/tag15.xml><?xml version="1.0" encoding="utf-8"?>
 <p:tagLst xmlns:a="http://schemas.openxmlformats.org/drawingml/2006/main" xmlns:r="http://schemas.openxmlformats.org/officeDocument/2006/relationships" xmlns:p="http://schemas.openxmlformats.org/presentationml/2006/main">
   <p:tag name="POINTS" val="1"/>
   <p:tag name="TIME" val="15"/>

--- a/art curators the newest one from saturday from pc.pptx
+++ b/art curators the newest one from saturday from pc.pptx
@@ -22234,8 +22234,8 @@
         </p:nvSpPr>
         <p:spPr>
           <a:xfrm>
-            <a:off x="621437" y="616505"/>
-            <a:ext cx="3045041" cy="1371600"/>
+            <a:off x="705773" y="488805"/>
+            <a:ext cx="3116062" cy="1361709"/>
           </a:xfrm>
           <a:prstGeom prst="rect">
             <a:avLst/>
@@ -22316,8 +22316,8 @@
         </p:nvSpPr>
         <p:spPr>
           <a:xfrm>
-            <a:off x="750162" y="716378"/>
-            <a:ext cx="2787589" cy="1171853"/>
+            <a:off x="761883" y="583734"/>
+            <a:ext cx="2993371" cy="1171853"/>
           </a:xfrm>
           <a:prstGeom prst="rect">
             <a:avLst/>
@@ -22455,7 +22455,7 @@
         </p:nvSpPr>
         <p:spPr>
           <a:xfrm>
-            <a:off x="621437" y="2228671"/>
+            <a:off x="575690" y="2075893"/>
             <a:ext cx="2432481" cy="1200329"/>
           </a:xfrm>
           <a:prstGeom prst="rect">
@@ -24501,6 +24501,122 @@
           </a:effectLst>
         </p:spPr>
       </p:pic>
+      <p:sp>
+        <p:nvSpPr>
+          <p:cNvPr id="3" name="TextBox 2">
+            <a:extLst>
+              <a:ext uri="{FF2B5EF4-FFF2-40B4-BE49-F238E27FC236}">
+                <a16:creationId xmlns:a16="http://schemas.microsoft.com/office/drawing/2014/main" id="{4632C0A9-2143-4810-AD9E-2E8D90C6DA68}"/>
+              </a:ext>
+            </a:extLst>
+          </p:cNvPr>
+          <p:cNvSpPr txBox="1"/>
+          <p:nvPr/>
+        </p:nvSpPr>
+        <p:spPr>
+          <a:xfrm>
+            <a:off x="5184559" y="1735492"/>
+            <a:ext cx="5832629" cy="3693319"/>
+          </a:xfrm>
+          <a:prstGeom prst="rect">
+            <a:avLst/>
+          </a:prstGeom>
+          <a:noFill/>
+        </p:spPr>
+        <p:txBody>
+          <a:bodyPr wrap="square" rtlCol="0">
+            <a:spAutoFit/>
+          </a:bodyPr>
+          <a:lstStyle/>
+          <a:p>
+            <a:pPr algn="ctr"/>
+            <a:r>
+              <a:rPr lang="en-GB" dirty="0"/>
+              <a:t>Published in 1995, by the New Press</a:t>
+            </a:r>
+          </a:p>
+          <a:p>
+            <a:pPr marL="285750" indent="-285750" algn="ctr">
+              <a:buFont typeface="Arial" panose="020B0604020202020204" pitchFamily="34" charset="0"/>
+              <a:buChar char="•"/>
+            </a:pPr>
+            <a:r>
+              <a:rPr lang="en-GB" dirty="0"/>
+              <a:t> </a:t>
+            </a:r>
+          </a:p>
+          <a:p>
+            <a:pPr algn="ctr"/>
+            <a:r>
+              <a:rPr lang="en-GB" dirty="0"/>
+              <a:t>Selected writings over two decades from America's leading feminist art critic.</a:t>
+            </a:r>
+          </a:p>
+          <a:p>
+            <a:pPr marL="285750" indent="-285750" algn="ctr">
+              <a:buFont typeface="Arial" panose="020B0604020202020204" pitchFamily="34" charset="0"/>
+              <a:buChar char="•"/>
+            </a:pPr>
+            <a:r>
+              <a:rPr lang="en-GB" dirty="0"/>
+              <a:t> </a:t>
+            </a:r>
+          </a:p>
+          <a:p>
+            <a:pPr algn="ctr"/>
+            <a:r>
+              <a:rPr lang="en-GB" dirty="0"/>
+              <a:t>A semiautobiographical account of the early days of the feminist art movement</a:t>
+            </a:r>
+          </a:p>
+          <a:p>
+            <a:pPr marL="285750" indent="-285750" algn="ctr">
+              <a:buFont typeface="Arial" panose="020B0604020202020204" pitchFamily="34" charset="0"/>
+              <a:buChar char="•"/>
+            </a:pPr>
+            <a:r>
+              <a:rPr lang="en-GB" dirty="0"/>
+              <a:t> </a:t>
+            </a:r>
+          </a:p>
+          <a:p>
+            <a:r>
+              <a:rPr lang="en-GB" dirty="0"/>
+              <a:t>  Traces Lippard’s thinking on such topics as</a:t>
+            </a:r>
+          </a:p>
+          <a:p>
+            <a:pPr marL="285750" indent="-285750">
+              <a:buFont typeface="Arial" panose="020B0604020202020204" pitchFamily="34" charset="0"/>
+              <a:buChar char="•"/>
+            </a:pPr>
+            <a:r>
+              <a:rPr lang="en-GB" dirty="0"/>
+              <a:t>the ever-evolving definitions of "women's art",</a:t>
+            </a:r>
+          </a:p>
+          <a:p>
+            <a:pPr marL="285750" indent="-285750">
+              <a:buFont typeface="Arial" panose="020B0604020202020204" pitchFamily="34" charset="0"/>
+              <a:buChar char="•"/>
+            </a:pPr>
+            <a:r>
+              <a:rPr lang="en-GB" dirty="0"/>
+              <a:t> political and activist art,</a:t>
+            </a:r>
+          </a:p>
+          <a:p>
+            <a:pPr marL="285750" indent="-285750">
+              <a:buFont typeface="Arial" panose="020B0604020202020204" pitchFamily="34" charset="0"/>
+              <a:buChar char="•"/>
+            </a:pPr>
+            <a:r>
+              <a:rPr lang="en-GB" dirty="0"/>
+              <a:t> the contributions of feminist art theory to the politics of identity</a:t>
+            </a:r>
+          </a:p>
+        </p:txBody>
+      </p:sp>
     </p:spTree>
     <p:custDataLst>
       <p:tags r:id="rId1"/>
